--- a/04-CrMagOpt/Pictures/HighE.pptx
+++ b/04-CrMagOpt/Pictures/HighE.pptx
@@ -53,7 +53,7 @@
       </p:grpSpPr>
       <p:sp>
         <p:nvSpPr>
-          <p:cNvPr id="26" name="PlaceHolder 1"/>
+          <p:cNvPr id="23" name="PlaceHolder 1"/>
           <p:cNvSpPr>
             <a:spLocks noGrp="1"/>
           </p:cNvSpPr>
@@ -64,7 +64,7 @@
         <p:spPr>
           <a:xfrm>
             <a:off x="850680" y="3467520"/>
-            <a:ext cx="9639720" cy="2392560"/>
+            <a:ext cx="9639360" cy="2392560"/>
           </a:xfrm>
           <a:prstGeom prst="rect">
             <a:avLst/>
@@ -73,13 +73,14 @@
         <p:txBody>
           <a:bodyPr lIns="0" rIns="0" tIns="0" bIns="0" anchor="ctr"/>
           <a:p>
-            <a:endParaRPr/>
-          </a:p>
-        </p:txBody>
-      </p:sp>
-      <p:sp>
-        <p:nvSpPr>
-          <p:cNvPr id="27" name="PlaceHolder 2"/>
+            <a:pPr algn="ctr"/>
+            <a:endParaRPr/>
+          </a:p>
+        </p:txBody>
+      </p:sp>
+      <p:sp>
+        <p:nvSpPr>
+          <p:cNvPr id="24" name="PlaceHolder 2"/>
           <p:cNvSpPr>
             <a:spLocks noGrp="1"/>
           </p:cNvSpPr>
@@ -105,7 +106,7 @@
       </p:sp>
       <p:sp>
         <p:nvSpPr>
-          <p:cNvPr id="28" name="PlaceHolder 3"/>
+          <p:cNvPr id="25" name="PlaceHolder 3"/>
           <p:cNvSpPr>
             <a:spLocks noGrp="1"/>
           </p:cNvSpPr>
@@ -153,7 +154,7 @@
       </p:grpSpPr>
       <p:sp>
         <p:nvSpPr>
-          <p:cNvPr id="29" name="PlaceHolder 1"/>
+          <p:cNvPr id="26" name="PlaceHolder 1"/>
           <p:cNvSpPr>
             <a:spLocks noGrp="1"/>
           </p:cNvSpPr>
@@ -164,7 +165,7 @@
         <p:spPr>
           <a:xfrm>
             <a:off x="850680" y="3467520"/>
-            <a:ext cx="9639720" cy="2392560"/>
+            <a:ext cx="9639360" cy="2392560"/>
           </a:xfrm>
           <a:prstGeom prst="rect">
             <a:avLst/>
@@ -173,13 +174,14 @@
         <p:txBody>
           <a:bodyPr lIns="0" rIns="0" tIns="0" bIns="0" anchor="ctr"/>
           <a:p>
-            <a:endParaRPr/>
-          </a:p>
-        </p:txBody>
-      </p:sp>
-      <p:sp>
-        <p:nvSpPr>
-          <p:cNvPr id="30" name="PlaceHolder 2"/>
+            <a:pPr algn="ctr"/>
+            <a:endParaRPr/>
+          </a:p>
+        </p:txBody>
+      </p:sp>
+      <p:sp>
+        <p:nvSpPr>
+          <p:cNvPr id="27" name="PlaceHolder 2"/>
           <p:cNvSpPr>
             <a:spLocks noGrp="1"/>
           </p:cNvSpPr>
@@ -205,7 +207,7 @@
       </p:sp>
       <p:sp>
         <p:nvSpPr>
-          <p:cNvPr id="31" name="PlaceHolder 3"/>
+          <p:cNvPr id="28" name="PlaceHolder 3"/>
           <p:cNvSpPr>
             <a:spLocks noGrp="1"/>
           </p:cNvSpPr>
@@ -231,7 +233,7 @@
       </p:sp>
       <p:sp>
         <p:nvSpPr>
-          <p:cNvPr id="32" name="PlaceHolder 4"/>
+          <p:cNvPr id="29" name="PlaceHolder 4"/>
           <p:cNvSpPr>
             <a:spLocks noGrp="1"/>
           </p:cNvSpPr>
@@ -257,7 +259,7 @@
       </p:sp>
       <p:sp>
         <p:nvSpPr>
-          <p:cNvPr id="33" name="PlaceHolder 5"/>
+          <p:cNvPr id="30" name="PlaceHolder 5"/>
           <p:cNvSpPr>
             <a:spLocks noGrp="1"/>
           </p:cNvSpPr>
@@ -305,7 +307,7 @@
       </p:grpSpPr>
       <p:sp>
         <p:nvSpPr>
-          <p:cNvPr id="34" name="PlaceHolder 1"/>
+          <p:cNvPr id="31" name="PlaceHolder 1"/>
           <p:cNvSpPr>
             <a:spLocks noGrp="1"/>
           </p:cNvSpPr>
@@ -316,7 +318,7 @@
         <p:spPr>
           <a:xfrm>
             <a:off x="850680" y="3467520"/>
-            <a:ext cx="9639720" cy="2392560"/>
+            <a:ext cx="9639360" cy="2392560"/>
           </a:xfrm>
           <a:prstGeom prst="rect">
             <a:avLst/>
@@ -325,13 +327,14 @@
         <p:txBody>
           <a:bodyPr lIns="0" rIns="0" tIns="0" bIns="0" anchor="ctr"/>
           <a:p>
-            <a:endParaRPr/>
-          </a:p>
-        </p:txBody>
-      </p:sp>
-      <p:sp>
-        <p:nvSpPr>
-          <p:cNvPr id="35" name="PlaceHolder 2"/>
+            <a:pPr algn="ctr"/>
+            <a:endParaRPr/>
+          </a:p>
+        </p:txBody>
+      </p:sp>
+      <p:sp>
+        <p:nvSpPr>
+          <p:cNvPr id="32" name="PlaceHolder 2"/>
           <p:cNvSpPr>
             <a:spLocks noGrp="1"/>
           </p:cNvSpPr>
@@ -357,7 +360,7 @@
       </p:sp>
       <p:sp>
         <p:nvSpPr>
-          <p:cNvPr id="36" name="PlaceHolder 3"/>
+          <p:cNvPr id="33" name="PlaceHolder 3"/>
           <p:cNvSpPr>
             <a:spLocks noGrp="1"/>
           </p:cNvSpPr>
@@ -383,7 +386,7 @@
       </p:sp>
       <p:pic>
         <p:nvPicPr>
-          <p:cNvPr id="37" name="" descr=""/>
+          <p:cNvPr id="34" name="" descr=""/>
           <p:cNvPicPr/>
           <p:nvPr/>
         </p:nvPicPr>
@@ -408,7 +411,7 @@
       </p:pic>
       <p:pic>
         <p:nvPicPr>
-          <p:cNvPr id="38" name="" descr=""/>
+          <p:cNvPr id="35" name="" descr=""/>
           <p:cNvPicPr/>
           <p:nvPr/>
         </p:nvPicPr>
@@ -455,7 +458,7 @@
       </p:grpSpPr>
       <p:sp>
         <p:nvSpPr>
-          <p:cNvPr id="5" name="PlaceHolder 1"/>
+          <p:cNvPr id="2" name="PlaceHolder 1"/>
           <p:cNvSpPr>
             <a:spLocks noGrp="1"/>
           </p:cNvSpPr>
@@ -466,7 +469,7 @@
         <p:spPr>
           <a:xfrm>
             <a:off x="850680" y="3467520"/>
-            <a:ext cx="9639720" cy="2392560"/>
+            <a:ext cx="9639360" cy="2392560"/>
           </a:xfrm>
           <a:prstGeom prst="rect">
             <a:avLst/>
@@ -475,13 +478,14 @@
         <p:txBody>
           <a:bodyPr lIns="0" rIns="0" tIns="0" bIns="0" anchor="ctr"/>
           <a:p>
-            <a:endParaRPr/>
-          </a:p>
-        </p:txBody>
-      </p:sp>
-      <p:sp>
-        <p:nvSpPr>
-          <p:cNvPr id="6" name="PlaceHolder 2"/>
+            <a:pPr algn="ctr"/>
+            <a:endParaRPr/>
+          </a:p>
+        </p:txBody>
+      </p:sp>
+      <p:sp>
+        <p:nvSpPr>
+          <p:cNvPr id="3" name="PlaceHolder 2"/>
           <p:cNvSpPr>
             <a:spLocks noGrp="1"/>
           </p:cNvSpPr>
@@ -530,7 +534,7 @@
       </p:grpSpPr>
       <p:sp>
         <p:nvSpPr>
-          <p:cNvPr id="7" name="PlaceHolder 1"/>
+          <p:cNvPr id="4" name="PlaceHolder 1"/>
           <p:cNvSpPr>
             <a:spLocks noGrp="1"/>
           </p:cNvSpPr>
@@ -541,7 +545,7 @@
         <p:spPr>
           <a:xfrm>
             <a:off x="850680" y="3467520"/>
-            <a:ext cx="9639720" cy="2392560"/>
+            <a:ext cx="9639360" cy="2392560"/>
           </a:xfrm>
           <a:prstGeom prst="rect">
             <a:avLst/>
@@ -550,13 +554,14 @@
         <p:txBody>
           <a:bodyPr lIns="0" rIns="0" tIns="0" bIns="0" anchor="ctr"/>
           <a:p>
-            <a:endParaRPr/>
-          </a:p>
-        </p:txBody>
-      </p:sp>
-      <p:sp>
-        <p:nvSpPr>
-          <p:cNvPr id="8" name="PlaceHolder 2"/>
+            <a:pPr algn="ctr"/>
+            <a:endParaRPr/>
+          </a:p>
+        </p:txBody>
+      </p:sp>
+      <p:sp>
+        <p:nvSpPr>
+          <p:cNvPr id="5" name="PlaceHolder 2"/>
           <p:cNvSpPr>
             <a:spLocks noGrp="1"/>
           </p:cNvSpPr>
@@ -604,7 +609,7 @@
       </p:grpSpPr>
       <p:sp>
         <p:nvSpPr>
-          <p:cNvPr id="9" name="PlaceHolder 1"/>
+          <p:cNvPr id="6" name="PlaceHolder 1"/>
           <p:cNvSpPr>
             <a:spLocks noGrp="1"/>
           </p:cNvSpPr>
@@ -615,7 +620,7 @@
         <p:spPr>
           <a:xfrm>
             <a:off x="850680" y="3467520"/>
-            <a:ext cx="9639720" cy="2392560"/>
+            <a:ext cx="9639360" cy="2392560"/>
           </a:xfrm>
           <a:prstGeom prst="rect">
             <a:avLst/>
@@ -624,13 +629,14 @@
         <p:txBody>
           <a:bodyPr lIns="0" rIns="0" tIns="0" bIns="0" anchor="ctr"/>
           <a:p>
-            <a:endParaRPr/>
-          </a:p>
-        </p:txBody>
-      </p:sp>
-      <p:sp>
-        <p:nvSpPr>
-          <p:cNvPr id="10" name="PlaceHolder 2"/>
+            <a:pPr algn="ctr"/>
+            <a:endParaRPr/>
+          </a:p>
+        </p:txBody>
+      </p:sp>
+      <p:sp>
+        <p:nvSpPr>
+          <p:cNvPr id="7" name="PlaceHolder 2"/>
           <p:cNvSpPr>
             <a:spLocks noGrp="1"/>
           </p:cNvSpPr>
@@ -656,7 +662,7 @@
       </p:sp>
       <p:sp>
         <p:nvSpPr>
-          <p:cNvPr id="11" name="PlaceHolder 3"/>
+          <p:cNvPr id="8" name="PlaceHolder 3"/>
           <p:cNvSpPr>
             <a:spLocks noGrp="1"/>
           </p:cNvSpPr>
@@ -704,7 +710,7 @@
       </p:grpSpPr>
       <p:sp>
         <p:nvSpPr>
-          <p:cNvPr id="12" name="PlaceHolder 1"/>
+          <p:cNvPr id="9" name="PlaceHolder 1"/>
           <p:cNvSpPr>
             <a:spLocks noGrp="1"/>
           </p:cNvSpPr>
@@ -715,7 +721,7 @@
         <p:spPr>
           <a:xfrm>
             <a:off x="850680" y="3467520"/>
-            <a:ext cx="9639720" cy="2392560"/>
+            <a:ext cx="9639360" cy="2392560"/>
           </a:xfrm>
           <a:prstGeom prst="rect">
             <a:avLst/>
@@ -724,6 +730,7 @@
         <p:txBody>
           <a:bodyPr lIns="0" rIns="0" tIns="0" bIns="0" anchor="ctr"/>
           <a:p>
+            <a:pPr algn="ctr"/>
             <a:endParaRPr/>
           </a:p>
         </p:txBody>
@@ -752,7 +759,7 @@
       </p:grpSpPr>
       <p:sp>
         <p:nvSpPr>
-          <p:cNvPr id="13" name="PlaceHolder 1"/>
+          <p:cNvPr id="10" name="PlaceHolder 1"/>
           <p:cNvSpPr>
             <a:spLocks noGrp="1"/>
           </p:cNvSpPr>
@@ -763,7 +770,7 @@
         <p:spPr>
           <a:xfrm>
             <a:off x="850680" y="3467520"/>
-            <a:ext cx="9639720" cy="11090520"/>
+            <a:ext cx="9639360" cy="11090520"/>
           </a:xfrm>
           <a:prstGeom prst="rect">
             <a:avLst/>
@@ -801,7 +808,7 @@
       </p:grpSpPr>
       <p:sp>
         <p:nvSpPr>
-          <p:cNvPr id="14" name="PlaceHolder 1"/>
+          <p:cNvPr id="11" name="PlaceHolder 1"/>
           <p:cNvSpPr>
             <a:spLocks noGrp="1"/>
           </p:cNvSpPr>
@@ -812,7 +819,7 @@
         <p:spPr>
           <a:xfrm>
             <a:off x="850680" y="3467520"/>
-            <a:ext cx="9639720" cy="2392560"/>
+            <a:ext cx="9639360" cy="2392560"/>
           </a:xfrm>
           <a:prstGeom prst="rect">
             <a:avLst/>
@@ -821,13 +828,14 @@
         <p:txBody>
           <a:bodyPr lIns="0" rIns="0" tIns="0" bIns="0" anchor="ctr"/>
           <a:p>
-            <a:endParaRPr/>
-          </a:p>
-        </p:txBody>
-      </p:sp>
-      <p:sp>
-        <p:nvSpPr>
-          <p:cNvPr id="15" name="PlaceHolder 2"/>
+            <a:pPr algn="ctr"/>
+            <a:endParaRPr/>
+          </a:p>
+        </p:txBody>
+      </p:sp>
+      <p:sp>
+        <p:nvSpPr>
+          <p:cNvPr id="12" name="PlaceHolder 2"/>
           <p:cNvSpPr>
             <a:spLocks noGrp="1"/>
           </p:cNvSpPr>
@@ -853,7 +861,7 @@
       </p:sp>
       <p:sp>
         <p:nvSpPr>
-          <p:cNvPr id="16" name="PlaceHolder 3"/>
+          <p:cNvPr id="13" name="PlaceHolder 3"/>
           <p:cNvSpPr>
             <a:spLocks noGrp="1"/>
           </p:cNvSpPr>
@@ -879,7 +887,7 @@
       </p:sp>
       <p:sp>
         <p:nvSpPr>
-          <p:cNvPr id="17" name="PlaceHolder 4"/>
+          <p:cNvPr id="14" name="PlaceHolder 4"/>
           <p:cNvSpPr>
             <a:spLocks noGrp="1"/>
           </p:cNvSpPr>
@@ -927,7 +935,7 @@
       </p:grpSpPr>
       <p:sp>
         <p:nvSpPr>
-          <p:cNvPr id="18" name="PlaceHolder 1"/>
+          <p:cNvPr id="15" name="PlaceHolder 1"/>
           <p:cNvSpPr>
             <a:spLocks noGrp="1"/>
           </p:cNvSpPr>
@@ -938,7 +946,7 @@
         <p:spPr>
           <a:xfrm>
             <a:off x="850680" y="3467520"/>
-            <a:ext cx="9639720" cy="2392560"/>
+            <a:ext cx="9639360" cy="2392560"/>
           </a:xfrm>
           <a:prstGeom prst="rect">
             <a:avLst/>
@@ -947,13 +955,14 @@
         <p:txBody>
           <a:bodyPr lIns="0" rIns="0" tIns="0" bIns="0" anchor="ctr"/>
           <a:p>
-            <a:endParaRPr/>
-          </a:p>
-        </p:txBody>
-      </p:sp>
-      <p:sp>
-        <p:nvSpPr>
-          <p:cNvPr id="19" name="PlaceHolder 2"/>
+            <a:pPr algn="ctr"/>
+            <a:endParaRPr/>
+          </a:p>
+        </p:txBody>
+      </p:sp>
+      <p:sp>
+        <p:nvSpPr>
+          <p:cNvPr id="16" name="PlaceHolder 2"/>
           <p:cNvSpPr>
             <a:spLocks noGrp="1"/>
           </p:cNvSpPr>
@@ -979,7 +988,7 @@
       </p:sp>
       <p:sp>
         <p:nvSpPr>
-          <p:cNvPr id="20" name="PlaceHolder 3"/>
+          <p:cNvPr id="17" name="PlaceHolder 3"/>
           <p:cNvSpPr>
             <a:spLocks noGrp="1"/>
           </p:cNvSpPr>
@@ -1005,7 +1014,7 @@
       </p:sp>
       <p:sp>
         <p:nvSpPr>
-          <p:cNvPr id="21" name="PlaceHolder 4"/>
+          <p:cNvPr id="18" name="PlaceHolder 4"/>
           <p:cNvSpPr>
             <a:spLocks noGrp="1"/>
           </p:cNvSpPr>
@@ -1053,7 +1062,7 @@
       </p:grpSpPr>
       <p:sp>
         <p:nvSpPr>
-          <p:cNvPr id="22" name="PlaceHolder 1"/>
+          <p:cNvPr id="19" name="PlaceHolder 1"/>
           <p:cNvSpPr>
             <a:spLocks noGrp="1"/>
           </p:cNvSpPr>
@@ -1064,7 +1073,7 @@
         <p:spPr>
           <a:xfrm>
             <a:off x="850680" y="3467520"/>
-            <a:ext cx="9639720" cy="2392560"/>
+            <a:ext cx="9639360" cy="2392560"/>
           </a:xfrm>
           <a:prstGeom prst="rect">
             <a:avLst/>
@@ -1073,13 +1082,14 @@
         <p:txBody>
           <a:bodyPr lIns="0" rIns="0" tIns="0" bIns="0" anchor="ctr"/>
           <a:p>
-            <a:endParaRPr/>
-          </a:p>
-        </p:txBody>
-      </p:sp>
-      <p:sp>
-        <p:nvSpPr>
-          <p:cNvPr id="23" name="PlaceHolder 2"/>
+            <a:pPr algn="ctr"/>
+            <a:endParaRPr/>
+          </a:p>
+        </p:txBody>
+      </p:sp>
+      <p:sp>
+        <p:nvSpPr>
+          <p:cNvPr id="20" name="PlaceHolder 2"/>
           <p:cNvSpPr>
             <a:spLocks noGrp="1"/>
           </p:cNvSpPr>
@@ -1105,7 +1115,7 @@
       </p:sp>
       <p:sp>
         <p:nvSpPr>
-          <p:cNvPr id="24" name="PlaceHolder 3"/>
+          <p:cNvPr id="21" name="PlaceHolder 3"/>
           <p:cNvSpPr>
             <a:spLocks noGrp="1"/>
           </p:cNvSpPr>
@@ -1131,7 +1141,7 @@
       </p:sp>
       <p:sp>
         <p:nvSpPr>
-          <p:cNvPr id="25" name="PlaceHolder 4"/>
+          <p:cNvPr id="22" name="PlaceHolder 4"/>
           <p:cNvSpPr>
             <a:spLocks noGrp="1"/>
           </p:cNvSpPr>
@@ -1197,28 +1207,20 @@
         <p:spPr>
           <a:xfrm>
             <a:off x="850680" y="3467520"/>
-            <a:ext cx="9639720" cy="2392200"/>
-          </a:xfrm>
-          <a:prstGeom prst="rect">
-            <a:avLst/>
-          </a:prstGeom>
-        </p:spPr>
-        <p:txBody>
-          <a:bodyPr lIns="115200" rIns="115200" tIns="57600" bIns="57600" anchor="ctr"/>
-          <a:p>
-            <a:pPr algn="ctr">
-              <a:lnSpc>
-                <a:spcPct val="100000"/>
-              </a:lnSpc>
-            </a:pPr>
-            <a:r>
-              <a:rPr lang="fr-FR" sz="5500">
-                <a:solidFill>
-                  <a:srgbClr val="000000"/>
-                </a:solidFill>
-                <a:latin typeface="Calibri"/>
-              </a:rPr>
-              <a:t>Click to edit the title text formatModifiez le style du titre</a:t>
+            <a:ext cx="9639360" cy="2392200"/>
+          </a:xfrm>
+          <a:prstGeom prst="rect">
+            <a:avLst/>
+          </a:prstGeom>
+        </p:spPr>
+        <p:txBody>
+          <a:bodyPr lIns="0" rIns="0" tIns="0" bIns="0" anchor="ctr"/>
+          <a:p>
+            <a:r>
+              <a:rPr lang="en-US">
+                <a:latin typeface="Arial"/>
+              </a:rPr>
+              <a:t>Click to edit the title text format</a:t>
             </a:r>
             <a:endParaRPr/>
           </a:p>
@@ -1227,112 +1229,6 @@
       <p:sp>
         <p:nvSpPr>
           <p:cNvPr id="1" name="PlaceHolder 2"/>
-          <p:cNvSpPr>
-            <a:spLocks noGrp="1"/>
-          </p:cNvSpPr>
-          <p:nvPr>
-            <p:ph type="dt"/>
-          </p:nvPr>
-        </p:nvSpPr>
-        <p:spPr>
-          <a:xfrm>
-            <a:off x="567000" y="10345320"/>
-            <a:ext cx="2646000" cy="594000"/>
-          </a:xfrm>
-          <a:prstGeom prst="rect">
-            <a:avLst/>
-          </a:prstGeom>
-        </p:spPr>
-        <p:txBody>
-          <a:bodyPr lIns="115200" rIns="115200" tIns="57600" bIns="57600" anchor="ctr"/>
-          <a:p>
-            <a:pPr>
-              <a:lnSpc>
-                <a:spcPct val="100000"/>
-              </a:lnSpc>
-            </a:pPr>
-            <a:r>
-              <a:rPr lang="en-US" sz="1500">
-                <a:solidFill>
-                  <a:srgbClr val="8b8b8b"/>
-                </a:solidFill>
-                <a:latin typeface="Calibri"/>
-              </a:rPr>
-              <a:t>5/9/17</a:t>
-            </a:r>
-            <a:endParaRPr/>
-          </a:p>
-        </p:txBody>
-      </p:sp>
-      <p:sp>
-        <p:nvSpPr>
-          <p:cNvPr id="2" name="PlaceHolder 3"/>
-          <p:cNvSpPr>
-            <a:spLocks noGrp="1"/>
-          </p:cNvSpPr>
-          <p:nvPr>
-            <p:ph type="ftr"/>
-          </p:nvPr>
-        </p:nvSpPr>
-        <p:spPr>
-          <a:xfrm>
-            <a:off x="3875040" y="10345320"/>
-            <a:ext cx="3591000" cy="594000"/>
-          </a:xfrm>
-          <a:prstGeom prst="rect">
-            <a:avLst/>
-          </a:prstGeom>
-        </p:spPr>
-        <p:txBody>
-          <a:bodyPr lIns="115200" rIns="115200" tIns="57600" bIns="57600" anchor="ctr"/>
-          <a:p>
-            <a:endParaRPr/>
-          </a:p>
-        </p:txBody>
-      </p:sp>
-      <p:sp>
-        <p:nvSpPr>
-          <p:cNvPr id="3" name="PlaceHolder 4"/>
-          <p:cNvSpPr>
-            <a:spLocks noGrp="1"/>
-          </p:cNvSpPr>
-          <p:nvPr>
-            <p:ph type="sldNum"/>
-          </p:nvPr>
-        </p:nvSpPr>
-        <p:spPr>
-          <a:xfrm>
-            <a:off x="8127720" y="10345320"/>
-            <a:ext cx="2646000" cy="594000"/>
-          </a:xfrm>
-          <a:prstGeom prst="rect">
-            <a:avLst/>
-          </a:prstGeom>
-        </p:spPr>
-        <p:txBody>
-          <a:bodyPr lIns="115200" rIns="115200" tIns="57600" bIns="57600" anchor="ctr"/>
-          <a:p>
-            <a:pPr algn="r">
-              <a:lnSpc>
-                <a:spcPct val="100000"/>
-              </a:lnSpc>
-            </a:pPr>
-            <a:fld id="{A10C9A67-8883-45E7-BC74-861B36877BDD}" type="slidenum">
-              <a:rPr lang="en-US" sz="1500">
-                <a:solidFill>
-                  <a:srgbClr val="8b8b8b"/>
-                </a:solidFill>
-                <a:latin typeface="Calibri"/>
-              </a:rPr>
-              <a:t>&lt;number&gt;</a:t>
-            </a:fld>
-            <a:endParaRPr/>
-          </a:p>
-        </p:txBody>
-      </p:sp>
-      <p:sp>
-        <p:nvSpPr>
-          <p:cNvPr id="4" name="PlaceHolder 5"/>
           <p:cNvSpPr>
             <a:spLocks noGrp="1"/>
           </p:cNvSpPr>
@@ -1358,8 +1254,8 @@
               <a:buChar char=""/>
             </a:pPr>
             <a:r>
-              <a:rPr lang="fr-FR" sz="4000">
-                <a:latin typeface="Calibri"/>
+              <a:rPr lang="en-US" sz="3200">
+                <a:latin typeface="Arial"/>
               </a:rPr>
               <a:t>Click to edit the outline text format</a:t>
             </a:r>
@@ -1372,8 +1268,8 @@
               <a:buChar char=""/>
             </a:pPr>
             <a:r>
-              <a:rPr lang="fr-FR" sz="3000">
-                <a:latin typeface="Calibri"/>
+              <a:rPr lang="en-US" sz="2800">
+                <a:latin typeface="Arial"/>
               </a:rPr>
               <a:t>Second Outline Level</a:t>
             </a:r>
@@ -1386,8 +1282,8 @@
               <a:buChar char=""/>
             </a:pPr>
             <a:r>
-              <a:rPr lang="fr-FR" sz="2500">
-                <a:latin typeface="Calibri"/>
+              <a:rPr lang="en-US" sz="2400">
+                <a:latin typeface="Arial"/>
               </a:rPr>
               <a:t>Third Outline Level</a:t>
             </a:r>
@@ -1400,8 +1296,8 @@
               <a:buChar char=""/>
             </a:pPr>
             <a:r>
-              <a:rPr lang="fr-FR" sz="2500">
-                <a:latin typeface="Calibri"/>
+              <a:rPr lang="en-US" sz="2000">
+                <a:latin typeface="Arial"/>
               </a:rPr>
               <a:t>Fourth Outline Level</a:t>
             </a:r>
@@ -1414,8 +1310,8 @@
               <a:buChar char=""/>
             </a:pPr>
             <a:r>
-              <a:rPr lang="fr-FR" sz="2000">
-                <a:latin typeface="Calibri"/>
+              <a:rPr lang="en-US" sz="2000">
+                <a:latin typeface="Arial"/>
               </a:rPr>
               <a:t>Fifth Outline Level</a:t>
             </a:r>
@@ -1428,8 +1324,8 @@
               <a:buChar char=""/>
             </a:pPr>
             <a:r>
-              <a:rPr lang="fr-FR" sz="2000">
-                <a:latin typeface="Calibri"/>
+              <a:rPr lang="en-US" sz="2000">
+                <a:latin typeface="Arial"/>
               </a:rPr>
               <a:t>Sixth Outline Level</a:t>
             </a:r>
@@ -1442,8 +1338,8 @@
               <a:buChar char=""/>
             </a:pPr>
             <a:r>
-              <a:rPr lang="fr-FR" sz="2000">
-                <a:latin typeface="Calibri"/>
+              <a:rPr lang="en-US" sz="2000">
+                <a:latin typeface="Arial"/>
               </a:rPr>
               <a:t>Seventh Outline Level</a:t>
             </a:r>
@@ -1490,7 +1386,7 @@
       </p:grpSpPr>
       <p:pic>
         <p:nvPicPr>
-          <p:cNvPr id="39" name="Picture 4" descr=""/>
+          <p:cNvPr id="36" name="Picture 4" descr=""/>
           <p:cNvPicPr/>
           <p:nvPr/>
         </p:nvPicPr>
@@ -1503,7 +1399,7 @@
         <p:spPr>
           <a:xfrm>
             <a:off x="-57600" y="136800"/>
-            <a:ext cx="5846400" cy="10971000"/>
+            <a:ext cx="5846040" cy="10970640"/>
           </a:xfrm>
           <a:prstGeom prst="rect">
             <a:avLst/>
@@ -1515,7 +1411,7 @@
       </p:pic>
       <p:pic>
         <p:nvPicPr>
-          <p:cNvPr id="40" name="Picture 3" descr=""/>
+          <p:cNvPr id="37" name="Picture 3" descr=""/>
           <p:cNvPicPr/>
           <p:nvPr/>
         </p:nvPicPr>
@@ -1528,7 +1424,7 @@
         <p:spPr>
           <a:xfrm>
             <a:off x="5472000" y="136800"/>
-            <a:ext cx="5846400" cy="10980360"/>
+            <a:ext cx="5846040" cy="10980000"/>
           </a:xfrm>
           <a:prstGeom prst="rect">
             <a:avLst/>
@@ -1540,14 +1436,14 @@
       </p:pic>
       <p:sp>
         <p:nvSpPr>
-          <p:cNvPr id="41" name="CustomShape 1"/>
+          <p:cNvPr id="38" name="CustomShape 1"/>
           <p:cNvSpPr/>
           <p:nvPr/>
         </p:nvSpPr>
         <p:spPr>
           <a:xfrm>
-            <a:off x="-15840" y="-35640"/>
-            <a:ext cx="520920" cy="456120"/>
+            <a:off x="344160" y="-35640"/>
+            <a:ext cx="520560" cy="455760"/>
           </a:xfrm>
           <a:prstGeom prst="rect">
             <a:avLst/>
@@ -1566,7 +1462,7 @@
               </a:lnSpc>
             </a:pPr>
             <a:r>
-              <a:rPr lang="en-US" sz="2400">
+              <a:rPr lang="en-US" sz="3200">
                 <a:solidFill>
                   <a:srgbClr val="000000"/>
                 </a:solidFill>
@@ -1580,14 +1476,14 @@
       </p:sp>
       <p:sp>
         <p:nvSpPr>
-          <p:cNvPr id="42" name="CustomShape 2"/>
+          <p:cNvPr id="39" name="CustomShape 2"/>
           <p:cNvSpPr/>
           <p:nvPr/>
         </p:nvSpPr>
         <p:spPr>
           <a:xfrm>
-            <a:off x="5600880" y="-35640"/>
-            <a:ext cx="520920" cy="456120"/>
+            <a:off x="5852880" y="-35640"/>
+            <a:ext cx="520560" cy="455760"/>
           </a:xfrm>
           <a:prstGeom prst="rect">
             <a:avLst/>
@@ -1606,7 +1502,7 @@
               </a:lnSpc>
             </a:pPr>
             <a:r>
-              <a:rPr lang="en-US" sz="2400">
+              <a:rPr lang="en-US" sz="3200">
                 <a:solidFill>
                   <a:srgbClr val="000000"/>
                 </a:solidFill>
@@ -1620,14 +1516,14 @@
       </p:sp>
       <p:sp>
         <p:nvSpPr>
-          <p:cNvPr id="43" name="CustomShape 3"/>
+          <p:cNvPr id="40" name="CustomShape 3"/>
           <p:cNvSpPr/>
           <p:nvPr/>
         </p:nvSpPr>
         <p:spPr>
           <a:xfrm>
-            <a:off x="16920" y="2268360"/>
-            <a:ext cx="537840" cy="456120"/>
+            <a:off x="268920" y="2088360"/>
+            <a:ext cx="537480" cy="455760"/>
           </a:xfrm>
           <a:prstGeom prst="rect">
             <a:avLst/>
@@ -1646,7 +1542,7 @@
               </a:lnSpc>
             </a:pPr>
             <a:r>
-              <a:rPr lang="en-US" sz="2400">
+              <a:rPr lang="en-US" sz="3200">
                 <a:solidFill>
                   <a:srgbClr val="000000"/>
                 </a:solidFill>
@@ -1660,14 +1556,14 @@
       </p:sp>
       <p:sp>
         <p:nvSpPr>
-          <p:cNvPr id="44" name="CustomShape 4"/>
+          <p:cNvPr id="41" name="CustomShape 4"/>
           <p:cNvSpPr/>
           <p:nvPr/>
         </p:nvSpPr>
         <p:spPr>
           <a:xfrm>
-            <a:off x="5601240" y="2268720"/>
-            <a:ext cx="537840" cy="456120"/>
+            <a:off x="5817240" y="2088720"/>
+            <a:ext cx="537480" cy="455760"/>
           </a:xfrm>
           <a:prstGeom prst="rect">
             <a:avLst/>
@@ -1686,7 +1582,7 @@
               </a:lnSpc>
             </a:pPr>
             <a:r>
-              <a:rPr lang="en-US" sz="2400">
+              <a:rPr lang="en-US" sz="3200">
                 <a:solidFill>
                   <a:srgbClr val="000000"/>
                 </a:solidFill>
@@ -1700,14 +1596,14 @@
       </p:sp>
       <p:sp>
         <p:nvSpPr>
-          <p:cNvPr id="45" name="CustomShape 5"/>
+          <p:cNvPr id="42" name="CustomShape 5"/>
           <p:cNvSpPr/>
           <p:nvPr/>
         </p:nvSpPr>
         <p:spPr>
           <a:xfrm>
             <a:off x="9402480" y="425880"/>
-            <a:ext cx="1220760" cy="577800"/>
+            <a:ext cx="1220400" cy="577440"/>
           </a:xfrm>
           <a:prstGeom prst="rect">
             <a:avLst/>
@@ -1758,14 +1654,14 @@
       </p:sp>
       <p:sp>
         <p:nvSpPr>
-          <p:cNvPr id="46" name="CustomShape 6"/>
+          <p:cNvPr id="43" name="CustomShape 6"/>
           <p:cNvSpPr/>
           <p:nvPr/>
         </p:nvSpPr>
         <p:spPr>
           <a:xfrm>
             <a:off x="9954720" y="2484360"/>
-            <a:ext cx="619920" cy="639000"/>
+            <a:ext cx="619560" cy="638640"/>
           </a:xfrm>
           <a:prstGeom prst="rect">
             <a:avLst/>
@@ -1807,14 +1703,14 @@
       </p:sp>
       <p:sp>
         <p:nvSpPr>
-          <p:cNvPr id="47" name="CustomShape 7"/>
+          <p:cNvPr id="44" name="CustomShape 7"/>
           <p:cNvSpPr/>
           <p:nvPr/>
         </p:nvSpPr>
         <p:spPr>
           <a:xfrm>
             <a:off x="6610680" y="9576720"/>
-            <a:ext cx="708480" cy="639000"/>
+            <a:ext cx="708120" cy="638640"/>
           </a:xfrm>
           <a:prstGeom prst="rect">
             <a:avLst/>
@@ -1847,14 +1743,14 @@
       </p:sp>
       <p:sp>
         <p:nvSpPr>
-          <p:cNvPr id="48" name="CustomShape 8"/>
+          <p:cNvPr id="45" name="CustomShape 8"/>
           <p:cNvSpPr/>
           <p:nvPr/>
         </p:nvSpPr>
         <p:spPr>
           <a:xfrm>
             <a:off x="4073760" y="464040"/>
-            <a:ext cx="1220760" cy="577800"/>
+            <a:ext cx="1220400" cy="577440"/>
           </a:xfrm>
           <a:prstGeom prst="rect">
             <a:avLst/>
@@ -1905,14 +1801,14 @@
       </p:sp>
       <p:sp>
         <p:nvSpPr>
-          <p:cNvPr id="49" name="CustomShape 9"/>
+          <p:cNvPr id="46" name="CustomShape 9"/>
           <p:cNvSpPr/>
           <p:nvPr/>
         </p:nvSpPr>
         <p:spPr>
           <a:xfrm>
             <a:off x="4590720" y="2522880"/>
-            <a:ext cx="619920" cy="639000"/>
+            <a:ext cx="619560" cy="638640"/>
           </a:xfrm>
           <a:prstGeom prst="rect">
             <a:avLst/>
@@ -1954,14 +1850,14 @@
       </p:sp>
       <p:sp>
         <p:nvSpPr>
-          <p:cNvPr id="50" name="CustomShape 10"/>
+          <p:cNvPr id="47" name="CustomShape 10"/>
           <p:cNvSpPr/>
           <p:nvPr/>
         </p:nvSpPr>
         <p:spPr>
           <a:xfrm>
             <a:off x="1065960" y="9614880"/>
-            <a:ext cx="708480" cy="639000"/>
+            <a:ext cx="708120" cy="638640"/>
           </a:xfrm>
           <a:prstGeom prst="rect">
             <a:avLst/>
@@ -1994,14 +1890,14 @@
       </p:sp>
       <p:sp>
         <p:nvSpPr>
-          <p:cNvPr id="51" name="CustomShape 11"/>
+          <p:cNvPr id="48" name="CustomShape 11"/>
           <p:cNvSpPr/>
           <p:nvPr/>
         </p:nvSpPr>
         <p:spPr>
           <a:xfrm>
             <a:off x="558360" y="8064000"/>
-            <a:ext cx="93600" cy="287640"/>
+            <a:ext cx="93240" cy="287280"/>
           </a:xfrm>
           <a:prstGeom prst="rect">
             <a:avLst/>
@@ -2019,14 +1915,14 @@
       </p:sp>
       <p:sp>
         <p:nvSpPr>
-          <p:cNvPr id="52" name="CustomShape 12"/>
+          <p:cNvPr id="49" name="CustomShape 12"/>
           <p:cNvSpPr/>
           <p:nvPr/>
         </p:nvSpPr>
         <p:spPr>
           <a:xfrm>
             <a:off x="464400" y="9900000"/>
-            <a:ext cx="93600" cy="287640"/>
+            <a:ext cx="93240" cy="287280"/>
           </a:xfrm>
           <a:prstGeom prst="rect">
             <a:avLst/>
@@ -2044,14 +1940,14 @@
       </p:sp>
       <p:sp>
         <p:nvSpPr>
-          <p:cNvPr id="53" name="CustomShape 13"/>
+          <p:cNvPr id="50" name="CustomShape 13"/>
           <p:cNvSpPr/>
           <p:nvPr/>
         </p:nvSpPr>
         <p:spPr>
           <a:xfrm>
             <a:off x="6084360" y="8064000"/>
-            <a:ext cx="93600" cy="287640"/>
+            <a:ext cx="93240" cy="287280"/>
           </a:xfrm>
           <a:prstGeom prst="rect">
             <a:avLst/>
@@ -2069,14 +1965,14 @@
       </p:sp>
       <p:sp>
         <p:nvSpPr>
-          <p:cNvPr id="54" name="CustomShape 14"/>
+          <p:cNvPr id="51" name="CustomShape 14"/>
           <p:cNvSpPr/>
           <p:nvPr/>
         </p:nvSpPr>
         <p:spPr>
           <a:xfrm>
             <a:off x="5994360" y="9900000"/>
-            <a:ext cx="93600" cy="287640"/>
+            <a:ext cx="93240" cy="287280"/>
           </a:xfrm>
           <a:prstGeom prst="rect">
             <a:avLst/>

--- a/04-CrMagOpt/Pictures/HighE.pptx
+++ b/04-CrMagOpt/Pictures/HighE.pptx
@@ -1,19 +1,114 @@
 
 <file path=ppt/presentation.xml><?xml version="1.0" encoding="utf-8"?>
-<p:presentation xmlns:a="http://schemas.openxmlformats.org/drawingml/2006/main" xmlns:p="http://schemas.openxmlformats.org/presentationml/2006/main" xmlns:r="http://schemas.openxmlformats.org/officeDocument/2006/relationships">
+<p:presentation xmlns:a="http://schemas.openxmlformats.org/drawingml/2006/main" xmlns:r="http://schemas.openxmlformats.org/officeDocument/2006/relationships" xmlns:p="http://schemas.openxmlformats.org/presentationml/2006/main">
   <p:sldMasterIdLst>
-    <p:sldMasterId id="2147483648" r:id="rId2"/>
+    <p:sldMasterId id="2147483648" r:id="rId1"/>
   </p:sldMasterIdLst>
   <p:sldIdLst>
-    <p:sldId id="256" r:id="rId3"/>
+    <p:sldId id="256" r:id="rId2"/>
   </p:sldIdLst>
-  <p:sldSz cx="11341100" cy="11161712"/>
-  <p:notesSz cx="7559675" cy="10691812"/>
+  <p:sldSz cx="11341100" cy="11161713"/>
+  <p:notesSz cx="7559675" cy="10691813"/>
+  <p:defaultTextStyle>
+    <a:defPPr>
+      <a:defRPr lang="fr-FR"/>
+    </a:defPPr>
+    <a:lvl1pPr marL="0" algn="l" defTabSz="914400" rtl="0" eaLnBrk="1" latinLnBrk="0" hangingPunct="1">
+      <a:defRPr sz="1800" kern="1200">
+        <a:solidFill>
+          <a:schemeClr val="tx1"/>
+        </a:solidFill>
+        <a:latin typeface="+mn-lt"/>
+        <a:ea typeface="+mn-ea"/>
+        <a:cs typeface="+mn-cs"/>
+      </a:defRPr>
+    </a:lvl1pPr>
+    <a:lvl2pPr marL="457200" algn="l" defTabSz="914400" rtl="0" eaLnBrk="1" latinLnBrk="0" hangingPunct="1">
+      <a:defRPr sz="1800" kern="1200">
+        <a:solidFill>
+          <a:schemeClr val="tx1"/>
+        </a:solidFill>
+        <a:latin typeface="+mn-lt"/>
+        <a:ea typeface="+mn-ea"/>
+        <a:cs typeface="+mn-cs"/>
+      </a:defRPr>
+    </a:lvl2pPr>
+    <a:lvl3pPr marL="914400" algn="l" defTabSz="914400" rtl="0" eaLnBrk="1" latinLnBrk="0" hangingPunct="1">
+      <a:defRPr sz="1800" kern="1200">
+        <a:solidFill>
+          <a:schemeClr val="tx1"/>
+        </a:solidFill>
+        <a:latin typeface="+mn-lt"/>
+        <a:ea typeface="+mn-ea"/>
+        <a:cs typeface="+mn-cs"/>
+      </a:defRPr>
+    </a:lvl3pPr>
+    <a:lvl4pPr marL="1371600" algn="l" defTabSz="914400" rtl="0" eaLnBrk="1" latinLnBrk="0" hangingPunct="1">
+      <a:defRPr sz="1800" kern="1200">
+        <a:solidFill>
+          <a:schemeClr val="tx1"/>
+        </a:solidFill>
+        <a:latin typeface="+mn-lt"/>
+        <a:ea typeface="+mn-ea"/>
+        <a:cs typeface="+mn-cs"/>
+      </a:defRPr>
+    </a:lvl4pPr>
+    <a:lvl5pPr marL="1828800" algn="l" defTabSz="914400" rtl="0" eaLnBrk="1" latinLnBrk="0" hangingPunct="1">
+      <a:defRPr sz="1800" kern="1200">
+        <a:solidFill>
+          <a:schemeClr val="tx1"/>
+        </a:solidFill>
+        <a:latin typeface="+mn-lt"/>
+        <a:ea typeface="+mn-ea"/>
+        <a:cs typeface="+mn-cs"/>
+      </a:defRPr>
+    </a:lvl5pPr>
+    <a:lvl6pPr marL="2286000" algn="l" defTabSz="914400" rtl="0" eaLnBrk="1" latinLnBrk="0" hangingPunct="1">
+      <a:defRPr sz="1800" kern="1200">
+        <a:solidFill>
+          <a:schemeClr val="tx1"/>
+        </a:solidFill>
+        <a:latin typeface="+mn-lt"/>
+        <a:ea typeface="+mn-ea"/>
+        <a:cs typeface="+mn-cs"/>
+      </a:defRPr>
+    </a:lvl6pPr>
+    <a:lvl7pPr marL="2743200" algn="l" defTabSz="914400" rtl="0" eaLnBrk="1" latinLnBrk="0" hangingPunct="1">
+      <a:defRPr sz="1800" kern="1200">
+        <a:solidFill>
+          <a:schemeClr val="tx1"/>
+        </a:solidFill>
+        <a:latin typeface="+mn-lt"/>
+        <a:ea typeface="+mn-ea"/>
+        <a:cs typeface="+mn-cs"/>
+      </a:defRPr>
+    </a:lvl7pPr>
+    <a:lvl8pPr marL="3200400" algn="l" defTabSz="914400" rtl="0" eaLnBrk="1" latinLnBrk="0" hangingPunct="1">
+      <a:defRPr sz="1800" kern="1200">
+        <a:solidFill>
+          <a:schemeClr val="tx1"/>
+        </a:solidFill>
+        <a:latin typeface="+mn-lt"/>
+        <a:ea typeface="+mn-ea"/>
+        <a:cs typeface="+mn-cs"/>
+      </a:defRPr>
+    </a:lvl8pPr>
+    <a:lvl9pPr marL="3657600" algn="l" defTabSz="914400" rtl="0" eaLnBrk="1" latinLnBrk="0" hangingPunct="1">
+      <a:defRPr sz="1800" kern="1200">
+        <a:solidFill>
+          <a:schemeClr val="tx1"/>
+        </a:solidFill>
+        <a:latin typeface="+mn-lt"/>
+        <a:ea typeface="+mn-ea"/>
+        <a:cs typeface="+mn-cs"/>
+      </a:defRPr>
+    </a:lvl9pPr>
+  </p:defaultTextStyle>
 </p:presentation>
 </file>
 
 <file path=ppt/slideLayouts/slideLayout1.xml><?xml version="1.0" encoding="utf-8"?>
-<p:sldLayout xmlns:a="http://schemas.openxmlformats.org/drawingml/2006/main" xmlns:p="http://schemas.openxmlformats.org/presentationml/2006/main" xmlns:r="http://schemas.openxmlformats.org/officeDocument/2006/relationships" type="blank" preserve="1">
+<p:sldLayout xmlns:a="http://schemas.openxmlformats.org/drawingml/2006/main" xmlns:r="http://schemas.openxmlformats.org/officeDocument/2006/relationships" xmlns:p="http://schemas.openxmlformats.org/presentationml/2006/main" type="blank" preserve="1">
   <p:cSld name="Blank Slide">
     <p:spTree>
       <p:nvGrpSpPr>
@@ -31,11 +126,14 @@
       </p:grpSpPr>
     </p:spTree>
   </p:cSld>
+  <p:clrMapOvr>
+    <a:masterClrMapping/>
+  </p:clrMapOvr>
 </p:sldLayout>
 </file>
 
 <file path=ppt/slideLayouts/slideLayout10.xml><?xml version="1.0" encoding="utf-8"?>
-<p:sldLayout xmlns:a="http://schemas.openxmlformats.org/drawingml/2006/main" xmlns:p="http://schemas.openxmlformats.org/presentationml/2006/main" xmlns:r="http://schemas.openxmlformats.org/officeDocument/2006/relationships" type="objOverTx" preserve="1">
+<p:sldLayout xmlns:a="http://schemas.openxmlformats.org/drawingml/2006/main" xmlns:r="http://schemas.openxmlformats.org/officeDocument/2006/relationships" xmlns:p="http://schemas.openxmlformats.org/presentationml/2006/main" type="objOverTx" preserve="1">
   <p:cSld name="Title, Content over Content">
     <p:spTree>
       <p:nvGrpSpPr>
@@ -71,7 +169,8 @@
           </a:prstGeom>
         </p:spPr>
         <p:txBody>
-          <a:bodyPr lIns="0" rIns="0" tIns="0" bIns="0" anchor="ctr"/>
+          <a:bodyPr lIns="0" tIns="0" rIns="0" bIns="0" anchor="ctr"/>
+          <a:lstStyle/>
           <a:p>
             <a:pPr algn="ctr"/>
             <a:endParaRPr/>
@@ -98,7 +197,8 @@
           </a:prstGeom>
         </p:spPr>
         <p:txBody>
-          <a:bodyPr lIns="0" rIns="0" tIns="0" bIns="0"/>
+          <a:bodyPr lIns="0" tIns="0" rIns="0" bIns="0"/>
+          <a:lstStyle/>
           <a:p>
             <a:endParaRPr/>
           </a:p>
@@ -124,7 +224,8 @@
           </a:prstGeom>
         </p:spPr>
         <p:txBody>
-          <a:bodyPr lIns="0" rIns="0" tIns="0" bIns="0"/>
+          <a:bodyPr lIns="0" tIns="0" rIns="0" bIns="0"/>
+          <a:lstStyle/>
           <a:p>
             <a:endParaRPr/>
           </a:p>
@@ -132,11 +233,14 @@
       </p:sp>
     </p:spTree>
   </p:cSld>
+  <p:clrMapOvr>
+    <a:masterClrMapping/>
+  </p:clrMapOvr>
 </p:sldLayout>
 </file>
 
 <file path=ppt/slideLayouts/slideLayout11.xml><?xml version="1.0" encoding="utf-8"?>
-<p:sldLayout xmlns:a="http://schemas.openxmlformats.org/drawingml/2006/main" xmlns:p="http://schemas.openxmlformats.org/presentationml/2006/main" xmlns:r="http://schemas.openxmlformats.org/officeDocument/2006/relationships" type="fourObj" preserve="1">
+<p:sldLayout xmlns:a="http://schemas.openxmlformats.org/drawingml/2006/main" xmlns:r="http://schemas.openxmlformats.org/officeDocument/2006/relationships" xmlns:p="http://schemas.openxmlformats.org/presentationml/2006/main" type="fourObj" preserve="1">
   <p:cSld name="Title, 4 Content">
     <p:spTree>
       <p:nvGrpSpPr>
@@ -172,7 +276,8 @@
           </a:prstGeom>
         </p:spPr>
         <p:txBody>
-          <a:bodyPr lIns="0" rIns="0" tIns="0" bIns="0" anchor="ctr"/>
+          <a:bodyPr lIns="0" tIns="0" rIns="0" bIns="0" anchor="ctr"/>
+          <a:lstStyle/>
           <a:p>
             <a:pPr algn="ctr"/>
             <a:endParaRPr/>
@@ -199,7 +304,8 @@
           </a:prstGeom>
         </p:spPr>
         <p:txBody>
-          <a:bodyPr lIns="0" rIns="0" tIns="0" bIns="0"/>
+          <a:bodyPr lIns="0" tIns="0" rIns="0" bIns="0"/>
+          <a:lstStyle/>
           <a:p>
             <a:endParaRPr/>
           </a:p>
@@ -225,7 +331,8 @@
           </a:prstGeom>
         </p:spPr>
         <p:txBody>
-          <a:bodyPr lIns="0" rIns="0" tIns="0" bIns="0"/>
+          <a:bodyPr lIns="0" tIns="0" rIns="0" bIns="0"/>
+          <a:lstStyle/>
           <a:p>
             <a:endParaRPr/>
           </a:p>
@@ -251,7 +358,8 @@
           </a:prstGeom>
         </p:spPr>
         <p:txBody>
-          <a:bodyPr lIns="0" rIns="0" tIns="0" bIns="0"/>
+          <a:bodyPr lIns="0" tIns="0" rIns="0" bIns="0"/>
+          <a:lstStyle/>
           <a:p>
             <a:endParaRPr/>
           </a:p>
@@ -277,7 +385,8 @@
           </a:prstGeom>
         </p:spPr>
         <p:txBody>
-          <a:bodyPr lIns="0" rIns="0" tIns="0" bIns="0"/>
+          <a:bodyPr lIns="0" tIns="0" rIns="0" bIns="0"/>
+          <a:lstStyle/>
           <a:p>
             <a:endParaRPr/>
           </a:p>
@@ -285,11 +394,14 @@
       </p:sp>
     </p:spTree>
   </p:cSld>
+  <p:clrMapOvr>
+    <a:masterClrMapping/>
+  </p:clrMapOvr>
 </p:sldLayout>
 </file>
 
 <file path=ppt/slideLayouts/slideLayout12.xml><?xml version="1.0" encoding="utf-8"?>
-<p:sldLayout xmlns:a="http://schemas.openxmlformats.org/drawingml/2006/main" xmlns:p="http://schemas.openxmlformats.org/presentationml/2006/main" xmlns:r="http://schemas.openxmlformats.org/officeDocument/2006/relationships" type="blank" preserve="1">
+<p:sldLayout xmlns:a="http://schemas.openxmlformats.org/drawingml/2006/main" xmlns:r="http://schemas.openxmlformats.org/officeDocument/2006/relationships" xmlns:p="http://schemas.openxmlformats.org/presentationml/2006/main" type="blank" preserve="1">
   <p:cSld name="Title, 6 Content">
     <p:spTree>
       <p:nvGrpSpPr>
@@ -325,7 +437,8 @@
           </a:prstGeom>
         </p:spPr>
         <p:txBody>
-          <a:bodyPr lIns="0" rIns="0" tIns="0" bIns="0" anchor="ctr"/>
+          <a:bodyPr lIns="0" tIns="0" rIns="0" bIns="0" anchor="ctr"/>
+          <a:lstStyle/>
           <a:p>
             <a:pPr algn="ctr"/>
             <a:endParaRPr/>
@@ -352,7 +465,8 @@
           </a:prstGeom>
         </p:spPr>
         <p:txBody>
-          <a:bodyPr lIns="0" rIns="0" tIns="0" bIns="0"/>
+          <a:bodyPr lIns="0" tIns="0" rIns="0" bIns="0"/>
+          <a:lstStyle/>
           <a:p>
             <a:endParaRPr/>
           </a:p>
@@ -378,7 +492,8 @@
           </a:prstGeom>
         </p:spPr>
         <p:txBody>
-          <a:bodyPr lIns="0" rIns="0" tIns="0" bIns="0"/>
+          <a:bodyPr lIns="0" tIns="0" rIns="0" bIns="0"/>
+          <a:lstStyle/>
           <a:p>
             <a:endParaRPr/>
           </a:p>
@@ -386,7 +501,7 @@
       </p:sp>
       <p:pic>
         <p:nvPicPr>
-          <p:cNvPr id="34" name="" descr=""/>
+          <p:cNvPr id="34" name="Image 33"/>
           <p:cNvPicPr/>
           <p:nvPr/>
         </p:nvPicPr>
@@ -411,12 +526,12 @@
       </p:pic>
       <p:pic>
         <p:nvPicPr>
-          <p:cNvPr id="35" name="" descr=""/>
+          <p:cNvPr id="35" name="Image 34"/>
           <p:cNvPicPr/>
           <p:nvPr/>
         </p:nvPicPr>
         <p:blipFill>
-          <a:blip r:embed="rId3"/>
+          <a:blip r:embed="rId2"/>
           <a:stretch>
             <a:fillRect/>
           </a:stretch>
@@ -436,11 +551,14 @@
       </p:pic>
     </p:spTree>
   </p:cSld>
+  <p:clrMapOvr>
+    <a:masterClrMapping/>
+  </p:clrMapOvr>
 </p:sldLayout>
 </file>
 
 <file path=ppt/slideLayouts/slideLayout2.xml><?xml version="1.0" encoding="utf-8"?>
-<p:sldLayout xmlns:a="http://schemas.openxmlformats.org/drawingml/2006/main" xmlns:p="http://schemas.openxmlformats.org/presentationml/2006/main" xmlns:r="http://schemas.openxmlformats.org/officeDocument/2006/relationships" type="tx" preserve="1">
+<p:sldLayout xmlns:a="http://schemas.openxmlformats.org/drawingml/2006/main" xmlns:r="http://schemas.openxmlformats.org/officeDocument/2006/relationships" xmlns:p="http://schemas.openxmlformats.org/presentationml/2006/main" type="tx" preserve="1">
   <p:cSld name="Title Slide">
     <p:spTree>
       <p:nvGrpSpPr>
@@ -476,7 +594,8 @@
           </a:prstGeom>
         </p:spPr>
         <p:txBody>
-          <a:bodyPr lIns="0" rIns="0" tIns="0" bIns="0" anchor="ctr"/>
+          <a:bodyPr lIns="0" tIns="0" rIns="0" bIns="0" anchor="ctr"/>
+          <a:lstStyle/>
           <a:p>
             <a:pPr algn="ctr"/>
             <a:endParaRPr/>
@@ -503,7 +622,8 @@
           </a:prstGeom>
         </p:spPr>
         <p:txBody>
-          <a:bodyPr lIns="0" rIns="0" tIns="0" bIns="0" anchor="ctr"/>
+          <a:bodyPr lIns="0" tIns="0" rIns="0" bIns="0" anchor="ctr"/>
+          <a:lstStyle/>
           <a:p>
             <a:pPr algn="ctr"/>
             <a:endParaRPr/>
@@ -512,11 +632,14 @@
       </p:sp>
     </p:spTree>
   </p:cSld>
+  <p:clrMapOvr>
+    <a:masterClrMapping/>
+  </p:clrMapOvr>
 </p:sldLayout>
 </file>
 
 <file path=ppt/slideLayouts/slideLayout3.xml><?xml version="1.0" encoding="utf-8"?>
-<p:sldLayout xmlns:a="http://schemas.openxmlformats.org/drawingml/2006/main" xmlns:p="http://schemas.openxmlformats.org/presentationml/2006/main" xmlns:r="http://schemas.openxmlformats.org/officeDocument/2006/relationships" type="obj" preserve="1">
+<p:sldLayout xmlns:a="http://schemas.openxmlformats.org/drawingml/2006/main" xmlns:r="http://schemas.openxmlformats.org/officeDocument/2006/relationships" xmlns:p="http://schemas.openxmlformats.org/presentationml/2006/main" type="obj" preserve="1">
   <p:cSld name="Title, Content">
     <p:spTree>
       <p:nvGrpSpPr>
@@ -552,7 +675,8 @@
           </a:prstGeom>
         </p:spPr>
         <p:txBody>
-          <a:bodyPr lIns="0" rIns="0" tIns="0" bIns="0" anchor="ctr"/>
+          <a:bodyPr lIns="0" tIns="0" rIns="0" bIns="0" anchor="ctr"/>
+          <a:lstStyle/>
           <a:p>
             <a:pPr algn="ctr"/>
             <a:endParaRPr/>
@@ -579,7 +703,8 @@
           </a:prstGeom>
         </p:spPr>
         <p:txBody>
-          <a:bodyPr lIns="0" rIns="0" tIns="0" bIns="0"/>
+          <a:bodyPr lIns="0" tIns="0" rIns="0" bIns="0"/>
+          <a:lstStyle/>
           <a:p>
             <a:endParaRPr/>
           </a:p>
@@ -587,11 +712,14 @@
       </p:sp>
     </p:spTree>
   </p:cSld>
+  <p:clrMapOvr>
+    <a:masterClrMapping/>
+  </p:clrMapOvr>
 </p:sldLayout>
 </file>
 
 <file path=ppt/slideLayouts/slideLayout4.xml><?xml version="1.0" encoding="utf-8"?>
-<p:sldLayout xmlns:a="http://schemas.openxmlformats.org/drawingml/2006/main" xmlns:p="http://schemas.openxmlformats.org/presentationml/2006/main" xmlns:r="http://schemas.openxmlformats.org/officeDocument/2006/relationships" type="twoObj" preserve="1">
+<p:sldLayout xmlns:a="http://schemas.openxmlformats.org/drawingml/2006/main" xmlns:r="http://schemas.openxmlformats.org/officeDocument/2006/relationships" xmlns:p="http://schemas.openxmlformats.org/presentationml/2006/main" type="twoObj" preserve="1">
   <p:cSld name="Title, 2 Content">
     <p:spTree>
       <p:nvGrpSpPr>
@@ -627,7 +755,8 @@
           </a:prstGeom>
         </p:spPr>
         <p:txBody>
-          <a:bodyPr lIns="0" rIns="0" tIns="0" bIns="0" anchor="ctr"/>
+          <a:bodyPr lIns="0" tIns="0" rIns="0" bIns="0" anchor="ctr"/>
+          <a:lstStyle/>
           <a:p>
             <a:pPr algn="ctr"/>
             <a:endParaRPr/>
@@ -654,7 +783,8 @@
           </a:prstGeom>
         </p:spPr>
         <p:txBody>
-          <a:bodyPr lIns="0" rIns="0" tIns="0" bIns="0"/>
+          <a:bodyPr lIns="0" tIns="0" rIns="0" bIns="0"/>
+          <a:lstStyle/>
           <a:p>
             <a:endParaRPr/>
           </a:p>
@@ -680,7 +810,8 @@
           </a:prstGeom>
         </p:spPr>
         <p:txBody>
-          <a:bodyPr lIns="0" rIns="0" tIns="0" bIns="0"/>
+          <a:bodyPr lIns="0" tIns="0" rIns="0" bIns="0"/>
+          <a:lstStyle/>
           <a:p>
             <a:endParaRPr/>
           </a:p>
@@ -688,11 +819,14 @@
       </p:sp>
     </p:spTree>
   </p:cSld>
+  <p:clrMapOvr>
+    <a:masterClrMapping/>
+  </p:clrMapOvr>
 </p:sldLayout>
 </file>
 
 <file path=ppt/slideLayouts/slideLayout5.xml><?xml version="1.0" encoding="utf-8"?>
-<p:sldLayout xmlns:a="http://schemas.openxmlformats.org/drawingml/2006/main" xmlns:p="http://schemas.openxmlformats.org/presentationml/2006/main" xmlns:r="http://schemas.openxmlformats.org/officeDocument/2006/relationships" type="titleOnly" preserve="1">
+<p:sldLayout xmlns:a="http://schemas.openxmlformats.org/drawingml/2006/main" xmlns:r="http://schemas.openxmlformats.org/officeDocument/2006/relationships" xmlns:p="http://schemas.openxmlformats.org/presentationml/2006/main" type="titleOnly" preserve="1">
   <p:cSld name="Title Only">
     <p:spTree>
       <p:nvGrpSpPr>
@@ -728,7 +862,8 @@
           </a:prstGeom>
         </p:spPr>
         <p:txBody>
-          <a:bodyPr lIns="0" rIns="0" tIns="0" bIns="0" anchor="ctr"/>
+          <a:bodyPr lIns="0" tIns="0" rIns="0" bIns="0" anchor="ctr"/>
+          <a:lstStyle/>
           <a:p>
             <a:pPr algn="ctr"/>
             <a:endParaRPr/>
@@ -737,11 +872,14 @@
       </p:sp>
     </p:spTree>
   </p:cSld>
+  <p:clrMapOvr>
+    <a:masterClrMapping/>
+  </p:clrMapOvr>
 </p:sldLayout>
 </file>
 
 <file path=ppt/slideLayouts/slideLayout6.xml><?xml version="1.0" encoding="utf-8"?>
-<p:sldLayout xmlns:a="http://schemas.openxmlformats.org/drawingml/2006/main" xmlns:p="http://schemas.openxmlformats.org/presentationml/2006/main" xmlns:r="http://schemas.openxmlformats.org/officeDocument/2006/relationships" type="objOnly" preserve="1">
+<p:sldLayout xmlns:a="http://schemas.openxmlformats.org/drawingml/2006/main" xmlns:r="http://schemas.openxmlformats.org/officeDocument/2006/relationships" xmlns:p="http://schemas.openxmlformats.org/presentationml/2006/main" type="objOnly" preserve="1">
   <p:cSld name="Centered Text">
     <p:spTree>
       <p:nvGrpSpPr>
@@ -777,7 +915,8 @@
           </a:prstGeom>
         </p:spPr>
         <p:txBody>
-          <a:bodyPr lIns="0" rIns="0" tIns="0" bIns="0" anchor="ctr"/>
+          <a:bodyPr lIns="0" tIns="0" rIns="0" bIns="0" anchor="ctr"/>
+          <a:lstStyle/>
           <a:p>
             <a:pPr algn="ctr"/>
             <a:endParaRPr/>
@@ -786,11 +925,14 @@
       </p:sp>
     </p:spTree>
   </p:cSld>
+  <p:clrMapOvr>
+    <a:masterClrMapping/>
+  </p:clrMapOvr>
 </p:sldLayout>
 </file>
 
 <file path=ppt/slideLayouts/slideLayout7.xml><?xml version="1.0" encoding="utf-8"?>
-<p:sldLayout xmlns:a="http://schemas.openxmlformats.org/drawingml/2006/main" xmlns:p="http://schemas.openxmlformats.org/presentationml/2006/main" xmlns:r="http://schemas.openxmlformats.org/officeDocument/2006/relationships" type="twoObjAndObj" preserve="1">
+<p:sldLayout xmlns:a="http://schemas.openxmlformats.org/drawingml/2006/main" xmlns:r="http://schemas.openxmlformats.org/officeDocument/2006/relationships" xmlns:p="http://schemas.openxmlformats.org/presentationml/2006/main" type="twoObjAndObj" preserve="1">
   <p:cSld name="Title, 2 Content and Content">
     <p:spTree>
       <p:nvGrpSpPr>
@@ -826,7 +968,8 @@
           </a:prstGeom>
         </p:spPr>
         <p:txBody>
-          <a:bodyPr lIns="0" rIns="0" tIns="0" bIns="0" anchor="ctr"/>
+          <a:bodyPr lIns="0" tIns="0" rIns="0" bIns="0" anchor="ctr"/>
+          <a:lstStyle/>
           <a:p>
             <a:pPr algn="ctr"/>
             <a:endParaRPr/>
@@ -853,7 +996,8 @@
           </a:prstGeom>
         </p:spPr>
         <p:txBody>
-          <a:bodyPr lIns="0" rIns="0" tIns="0" bIns="0"/>
+          <a:bodyPr lIns="0" tIns="0" rIns="0" bIns="0"/>
+          <a:lstStyle/>
           <a:p>
             <a:endParaRPr/>
           </a:p>
@@ -879,7 +1023,8 @@
           </a:prstGeom>
         </p:spPr>
         <p:txBody>
-          <a:bodyPr lIns="0" rIns="0" tIns="0" bIns="0"/>
+          <a:bodyPr lIns="0" tIns="0" rIns="0" bIns="0"/>
+          <a:lstStyle/>
           <a:p>
             <a:endParaRPr/>
           </a:p>
@@ -905,7 +1050,8 @@
           </a:prstGeom>
         </p:spPr>
         <p:txBody>
-          <a:bodyPr lIns="0" rIns="0" tIns="0" bIns="0"/>
+          <a:bodyPr lIns="0" tIns="0" rIns="0" bIns="0"/>
+          <a:lstStyle/>
           <a:p>
             <a:endParaRPr/>
           </a:p>
@@ -913,11 +1059,14 @@
       </p:sp>
     </p:spTree>
   </p:cSld>
+  <p:clrMapOvr>
+    <a:masterClrMapping/>
+  </p:clrMapOvr>
 </p:sldLayout>
 </file>
 
 <file path=ppt/slideLayouts/slideLayout8.xml><?xml version="1.0" encoding="utf-8"?>
-<p:sldLayout xmlns:a="http://schemas.openxmlformats.org/drawingml/2006/main" xmlns:p="http://schemas.openxmlformats.org/presentationml/2006/main" xmlns:r="http://schemas.openxmlformats.org/officeDocument/2006/relationships" type="objAndTwoObj" preserve="1">
+<p:sldLayout xmlns:a="http://schemas.openxmlformats.org/drawingml/2006/main" xmlns:r="http://schemas.openxmlformats.org/officeDocument/2006/relationships" xmlns:p="http://schemas.openxmlformats.org/presentationml/2006/main" type="objAndTwoObj" preserve="1">
   <p:cSld name="Title Content and 2 Content">
     <p:spTree>
       <p:nvGrpSpPr>
@@ -953,7 +1102,8 @@
           </a:prstGeom>
         </p:spPr>
         <p:txBody>
-          <a:bodyPr lIns="0" rIns="0" tIns="0" bIns="0" anchor="ctr"/>
+          <a:bodyPr lIns="0" tIns="0" rIns="0" bIns="0" anchor="ctr"/>
+          <a:lstStyle/>
           <a:p>
             <a:pPr algn="ctr"/>
             <a:endParaRPr/>
@@ -980,7 +1130,8 @@
           </a:prstGeom>
         </p:spPr>
         <p:txBody>
-          <a:bodyPr lIns="0" rIns="0" tIns="0" bIns="0"/>
+          <a:bodyPr lIns="0" tIns="0" rIns="0" bIns="0"/>
+          <a:lstStyle/>
           <a:p>
             <a:endParaRPr/>
           </a:p>
@@ -1006,7 +1157,8 @@
           </a:prstGeom>
         </p:spPr>
         <p:txBody>
-          <a:bodyPr lIns="0" rIns="0" tIns="0" bIns="0"/>
+          <a:bodyPr lIns="0" tIns="0" rIns="0" bIns="0"/>
+          <a:lstStyle/>
           <a:p>
             <a:endParaRPr/>
           </a:p>
@@ -1032,7 +1184,8 @@
           </a:prstGeom>
         </p:spPr>
         <p:txBody>
-          <a:bodyPr lIns="0" rIns="0" tIns="0" bIns="0"/>
+          <a:bodyPr lIns="0" tIns="0" rIns="0" bIns="0"/>
+          <a:lstStyle/>
           <a:p>
             <a:endParaRPr/>
           </a:p>
@@ -1040,11 +1193,14 @@
       </p:sp>
     </p:spTree>
   </p:cSld>
+  <p:clrMapOvr>
+    <a:masterClrMapping/>
+  </p:clrMapOvr>
 </p:sldLayout>
 </file>
 
 <file path=ppt/slideLayouts/slideLayout9.xml><?xml version="1.0" encoding="utf-8"?>
-<p:sldLayout xmlns:a="http://schemas.openxmlformats.org/drawingml/2006/main" xmlns:p="http://schemas.openxmlformats.org/presentationml/2006/main" xmlns:r="http://schemas.openxmlformats.org/officeDocument/2006/relationships" type="twoObjOverTx" preserve="1">
+<p:sldLayout xmlns:a="http://schemas.openxmlformats.org/drawingml/2006/main" xmlns:r="http://schemas.openxmlformats.org/officeDocument/2006/relationships" xmlns:p="http://schemas.openxmlformats.org/presentationml/2006/main" type="twoObjOverTx" preserve="1">
   <p:cSld name="Title, 2 Content over Content">
     <p:spTree>
       <p:nvGrpSpPr>
@@ -1080,7 +1236,8 @@
           </a:prstGeom>
         </p:spPr>
         <p:txBody>
-          <a:bodyPr lIns="0" rIns="0" tIns="0" bIns="0" anchor="ctr"/>
+          <a:bodyPr lIns="0" tIns="0" rIns="0" bIns="0" anchor="ctr"/>
+          <a:lstStyle/>
           <a:p>
             <a:pPr algn="ctr"/>
             <a:endParaRPr/>
@@ -1107,7 +1264,8 @@
           </a:prstGeom>
         </p:spPr>
         <p:txBody>
-          <a:bodyPr lIns="0" rIns="0" tIns="0" bIns="0"/>
+          <a:bodyPr lIns="0" tIns="0" rIns="0" bIns="0"/>
+          <a:lstStyle/>
           <a:p>
             <a:endParaRPr/>
           </a:p>
@@ -1133,7 +1291,8 @@
           </a:prstGeom>
         </p:spPr>
         <p:txBody>
-          <a:bodyPr lIns="0" rIns="0" tIns="0" bIns="0"/>
+          <a:bodyPr lIns="0" tIns="0" rIns="0" bIns="0"/>
+          <a:lstStyle/>
           <a:p>
             <a:endParaRPr/>
           </a:p>
@@ -1159,7 +1318,8 @@
           </a:prstGeom>
         </p:spPr>
         <p:txBody>
-          <a:bodyPr lIns="0" rIns="0" tIns="0" bIns="0"/>
+          <a:bodyPr lIns="0" tIns="0" rIns="0" bIns="0"/>
+          <a:lstStyle/>
           <a:p>
             <a:endParaRPr/>
           </a:p>
@@ -1167,17 +1327,21 @@
       </p:sp>
     </p:spTree>
   </p:cSld>
+  <p:clrMapOvr>
+    <a:masterClrMapping/>
+  </p:clrMapOvr>
 </p:sldLayout>
 </file>
 
 <file path=ppt/slideMasters/slideMaster1.xml><?xml version="1.0" encoding="utf-8"?>
-<p:sldMaster xmlns:a="http://schemas.openxmlformats.org/drawingml/2006/main" xmlns:p="http://schemas.openxmlformats.org/presentationml/2006/main" xmlns:r="http://schemas.openxmlformats.org/officeDocument/2006/relationships">
+<p:sldMaster xmlns:a="http://schemas.openxmlformats.org/drawingml/2006/main" xmlns:r="http://schemas.openxmlformats.org/officeDocument/2006/relationships" xmlns:p="http://schemas.openxmlformats.org/presentationml/2006/main">
   <p:cSld>
     <p:bg>
       <p:bgPr>
         <a:solidFill>
-          <a:srgbClr val="ffffff"/>
+          <a:srgbClr val="FFFFFF"/>
         </a:solidFill>
+        <a:effectLst/>
       </p:bgPr>
     </p:bg>
     <p:spTree>
@@ -1196,7 +1360,7 @@
       </p:grpSpPr>
       <p:sp>
         <p:nvSpPr>
-          <p:cNvPr id="0" name="PlaceHolder 1"/>
+          <p:cNvPr id="2" name="PlaceHolder 1"/>
           <p:cNvSpPr>
             <a:spLocks noGrp="1"/>
           </p:cNvSpPr>
@@ -1214,7 +1378,8 @@
           </a:prstGeom>
         </p:spPr>
         <p:txBody>
-          <a:bodyPr lIns="0" rIns="0" tIns="0" bIns="0" anchor="ctr"/>
+          <a:bodyPr lIns="0" tIns="0" rIns="0" bIns="0" anchor="ctr"/>
+          <a:lstStyle/>
           <a:p>
             <a:r>
               <a:rPr lang="en-US">
@@ -1228,7 +1393,7 @@
       </p:sp>
       <p:sp>
         <p:nvSpPr>
-          <p:cNvPr id="1" name="PlaceHolder 2"/>
+          <p:cNvPr id="3" name="PlaceHolder 2"/>
           <p:cNvSpPr>
             <a:spLocks noGrp="1"/>
           </p:cNvSpPr>
@@ -1246,7 +1411,8 @@
           </a:prstGeom>
         </p:spPr>
         <p:txBody>
-          <a:bodyPr lIns="0" rIns="0" tIns="0" bIns="0"/>
+          <a:bodyPr lIns="0" tIns="0" rIns="0" bIns="0"/>
+          <a:lstStyle/>
           <a:p>
             <a:pPr>
               <a:buSzPct val="45000"/>
@@ -1349,26 +1515,31 @@
       </p:sp>
     </p:spTree>
   </p:cSld>
-  <p:clrMap bg1="lt1" bg2="lt2" tx1="dk1" tx2="dk2" accent1="accent1" accent2="accent2" accent3="accent3" accent4="accent4" accent5="accent5" accent6="accent6" hlink="hlink" folHlink="folHlink"/>
+  <p:clrMap bg1="lt1" tx1="dk1" bg2="lt2" tx2="dk2" accent1="accent1" accent2="accent2" accent3="accent3" accent4="accent4" accent5="accent5" accent6="accent6" hlink="hlink" folHlink="folHlink"/>
   <p:sldLayoutIdLst>
-    <p:sldLayoutId id="2147483649" r:id="rId2"/>
-    <p:sldLayoutId id="2147483650" r:id="rId3"/>
-    <p:sldLayoutId id="2147483651" r:id="rId4"/>
-    <p:sldLayoutId id="2147483652" r:id="rId5"/>
-    <p:sldLayoutId id="2147483653" r:id="rId6"/>
-    <p:sldLayoutId id="2147483654" r:id="rId7"/>
-    <p:sldLayoutId id="2147483655" r:id="rId8"/>
-    <p:sldLayoutId id="2147483656" r:id="rId9"/>
-    <p:sldLayoutId id="2147483657" r:id="rId10"/>
-    <p:sldLayoutId id="2147483658" r:id="rId11"/>
-    <p:sldLayoutId id="2147483659" r:id="rId12"/>
-    <p:sldLayoutId id="2147483660" r:id="rId13"/>
+    <p:sldLayoutId id="2147483649" r:id="rId1"/>
+    <p:sldLayoutId id="2147483650" r:id="rId2"/>
+    <p:sldLayoutId id="2147483651" r:id="rId3"/>
+    <p:sldLayoutId id="2147483652" r:id="rId4"/>
+    <p:sldLayoutId id="2147483653" r:id="rId5"/>
+    <p:sldLayoutId id="2147483654" r:id="rId6"/>
+    <p:sldLayoutId id="2147483655" r:id="rId7"/>
+    <p:sldLayoutId id="2147483656" r:id="rId8"/>
+    <p:sldLayoutId id="2147483657" r:id="rId9"/>
+    <p:sldLayoutId id="2147483658" r:id="rId10"/>
+    <p:sldLayoutId id="2147483659" r:id="rId11"/>
+    <p:sldLayoutId id="2147483660" r:id="rId12"/>
   </p:sldLayoutIdLst>
+  <p:txStyles>
+    <p:titleStyle/>
+    <p:bodyStyle/>
+    <p:otherStyle/>
+  </p:txStyles>
 </p:sldMaster>
 </file>
 
 <file path=ppt/slides/slide1.xml><?xml version="1.0" encoding="utf-8"?>
-<p:sld xmlns:a="http://schemas.openxmlformats.org/drawingml/2006/main" xmlns:p="http://schemas.openxmlformats.org/presentationml/2006/main" xmlns:r="http://schemas.openxmlformats.org/officeDocument/2006/relationships">
+<p:sld xmlns:a="http://schemas.openxmlformats.org/drawingml/2006/main" xmlns:r="http://schemas.openxmlformats.org/officeDocument/2006/relationships" xmlns:p="http://schemas.openxmlformats.org/presentationml/2006/main">
   <p:cSld>
     <p:spTree>
       <p:nvGrpSpPr>
@@ -1384,66 +1555,854 @@
           <a:chExt cx="0" cy="0"/>
         </a:xfrm>
       </p:grpSpPr>
+      <p:sp>
+        <p:nvSpPr>
+          <p:cNvPr id="20" name="Ellipse 19"/>
+          <p:cNvSpPr/>
+          <p:nvPr/>
+        </p:nvSpPr>
+        <p:spPr>
+          <a:xfrm>
+            <a:off x="2597282" y="8330937"/>
+            <a:ext cx="576064" cy="864096"/>
+          </a:xfrm>
+          <a:prstGeom prst="ellipse">
+            <a:avLst/>
+          </a:prstGeom>
+          <a:noFill/>
+          <a:ln w="28575">
+            <a:solidFill>
+              <a:srgbClr val="FF0000"/>
+            </a:solidFill>
+          </a:ln>
+        </p:spPr>
+        <p:style>
+          <a:lnRef idx="2">
+            <a:schemeClr val="accent1">
+              <a:shade val="50000"/>
+            </a:schemeClr>
+          </a:lnRef>
+          <a:fillRef idx="1">
+            <a:schemeClr val="accent1"/>
+          </a:fillRef>
+          <a:effectRef idx="0">
+            <a:schemeClr val="accent1"/>
+          </a:effectRef>
+          <a:fontRef idx="minor">
+            <a:schemeClr val="lt1"/>
+          </a:fontRef>
+        </p:style>
+        <p:txBody>
+          <a:bodyPr rtlCol="0" anchor="ctr"/>
+          <a:lstStyle/>
+          <a:p>
+            <a:pPr algn="ctr"/>
+            <a:endParaRPr lang="fr-FR"/>
+          </a:p>
+        </p:txBody>
+      </p:sp>
+      <p:sp>
+        <p:nvSpPr>
+          <p:cNvPr id="21" name="ZoneTexte 20"/>
+          <p:cNvSpPr txBox="1"/>
+          <p:nvPr/>
+        </p:nvSpPr>
+        <p:spPr>
+          <a:xfrm>
+            <a:off x="2358182" y="9079631"/>
+            <a:ext cx="561372" cy="461665"/>
+          </a:xfrm>
+          <a:prstGeom prst="rect">
+            <a:avLst/>
+          </a:prstGeom>
+          <a:noFill/>
+        </p:spPr>
+        <p:txBody>
+          <a:bodyPr wrap="none" rtlCol="0">
+            <a:spAutoFit/>
+          </a:bodyPr>
+          <a:lstStyle/>
+          <a:p>
+            <a:r>
+              <a:rPr lang="fr-FR" sz="2400" dirty="0" smtClean="0">
+                <a:solidFill>
+                  <a:srgbClr val="FF0000"/>
+                </a:solidFill>
+              </a:rPr>
+              <a:t>(3)</a:t>
+            </a:r>
+            <a:endParaRPr lang="fr-FR" sz="2400" dirty="0">
+              <a:solidFill>
+                <a:srgbClr val="FF0000"/>
+              </a:solidFill>
+            </a:endParaRPr>
+          </a:p>
+        </p:txBody>
+      </p:sp>
+      <p:sp>
+        <p:nvSpPr>
+          <p:cNvPr id="2" name="Ellipse 1"/>
+          <p:cNvSpPr/>
+          <p:nvPr/>
+        </p:nvSpPr>
+        <p:spPr>
+          <a:xfrm>
+            <a:off x="2574206" y="6012904"/>
+            <a:ext cx="576064" cy="864096"/>
+          </a:xfrm>
+          <a:prstGeom prst="ellipse">
+            <a:avLst/>
+          </a:prstGeom>
+          <a:noFill/>
+          <a:ln w="28575">
+            <a:solidFill>
+              <a:srgbClr val="FF0000"/>
+            </a:solidFill>
+          </a:ln>
+        </p:spPr>
+        <p:style>
+          <a:lnRef idx="2">
+            <a:schemeClr val="accent1">
+              <a:shade val="50000"/>
+            </a:schemeClr>
+          </a:lnRef>
+          <a:fillRef idx="1">
+            <a:schemeClr val="accent1"/>
+          </a:fillRef>
+          <a:effectRef idx="0">
+            <a:schemeClr val="accent1"/>
+          </a:effectRef>
+          <a:fontRef idx="minor">
+            <a:schemeClr val="lt1"/>
+          </a:fontRef>
+        </p:style>
+        <p:txBody>
+          <a:bodyPr rtlCol="0" anchor="ctr"/>
+          <a:lstStyle/>
+          <a:p>
+            <a:pPr algn="ctr"/>
+            <a:endParaRPr lang="fr-FR"/>
+          </a:p>
+        </p:txBody>
+      </p:sp>
+      <p:sp>
+        <p:nvSpPr>
+          <p:cNvPr id="3" name="ZoneTexte 2"/>
+          <p:cNvSpPr txBox="1"/>
+          <p:nvPr/>
+        </p:nvSpPr>
+        <p:spPr>
+          <a:xfrm>
+            <a:off x="2430190" y="6847383"/>
+            <a:ext cx="561372" cy="461665"/>
+          </a:xfrm>
+          <a:prstGeom prst="rect">
+            <a:avLst/>
+          </a:prstGeom>
+          <a:noFill/>
+        </p:spPr>
+        <p:txBody>
+          <a:bodyPr wrap="none" rtlCol="0">
+            <a:spAutoFit/>
+          </a:bodyPr>
+          <a:lstStyle/>
+          <a:p>
+            <a:r>
+              <a:rPr lang="fr-FR" sz="2400" dirty="0" smtClean="0">
+                <a:solidFill>
+                  <a:srgbClr val="FF0000"/>
+                </a:solidFill>
+              </a:rPr>
+              <a:t>(1)</a:t>
+            </a:r>
+            <a:endParaRPr lang="fr-FR" sz="2400" dirty="0">
+              <a:solidFill>
+                <a:srgbClr val="FF0000"/>
+              </a:solidFill>
+            </a:endParaRPr>
+          </a:p>
+        </p:txBody>
+      </p:sp>
+      <p:sp>
+        <p:nvSpPr>
+          <p:cNvPr id="18" name="Ellipse 17"/>
+          <p:cNvSpPr/>
+          <p:nvPr/>
+        </p:nvSpPr>
+        <p:spPr>
+          <a:xfrm>
+            <a:off x="2690587" y="3708648"/>
+            <a:ext cx="576064" cy="864096"/>
+          </a:xfrm>
+          <a:prstGeom prst="ellipse">
+            <a:avLst/>
+          </a:prstGeom>
+          <a:noFill/>
+          <a:ln w="28575">
+            <a:solidFill>
+              <a:srgbClr val="FF0000"/>
+            </a:solidFill>
+          </a:ln>
+        </p:spPr>
+        <p:style>
+          <a:lnRef idx="2">
+            <a:schemeClr val="accent1">
+              <a:shade val="50000"/>
+            </a:schemeClr>
+          </a:lnRef>
+          <a:fillRef idx="1">
+            <a:schemeClr val="accent1"/>
+          </a:fillRef>
+          <a:effectRef idx="0">
+            <a:schemeClr val="accent1"/>
+          </a:effectRef>
+          <a:fontRef idx="minor">
+            <a:schemeClr val="lt1"/>
+          </a:fontRef>
+        </p:style>
+        <p:txBody>
+          <a:bodyPr rtlCol="0" anchor="ctr"/>
+          <a:lstStyle/>
+          <a:p>
+            <a:pPr algn="ctr"/>
+            <a:endParaRPr lang="fr-FR"/>
+          </a:p>
+        </p:txBody>
+      </p:sp>
+      <p:sp>
+        <p:nvSpPr>
+          <p:cNvPr id="19" name="ZoneTexte 18"/>
+          <p:cNvSpPr txBox="1"/>
+          <p:nvPr/>
+        </p:nvSpPr>
+        <p:spPr>
+          <a:xfrm>
+            <a:off x="3137327" y="3420616"/>
+            <a:ext cx="561372" cy="461665"/>
+          </a:xfrm>
+          <a:prstGeom prst="rect">
+            <a:avLst/>
+          </a:prstGeom>
+          <a:noFill/>
+        </p:spPr>
+        <p:txBody>
+          <a:bodyPr wrap="none" rtlCol="0">
+            <a:spAutoFit/>
+          </a:bodyPr>
+          <a:lstStyle/>
+          <a:p>
+            <a:r>
+              <a:rPr lang="fr-FR" sz="2400" dirty="0" smtClean="0">
+                <a:solidFill>
+                  <a:srgbClr val="FF0000"/>
+                </a:solidFill>
+              </a:rPr>
+              <a:t>(2)</a:t>
+            </a:r>
+            <a:endParaRPr lang="fr-FR" sz="2400" dirty="0">
+              <a:solidFill>
+                <a:srgbClr val="FF0000"/>
+              </a:solidFill>
+            </a:endParaRPr>
+          </a:p>
+        </p:txBody>
+      </p:sp>
+      <p:sp>
+        <p:nvSpPr>
+          <p:cNvPr id="22" name="Ellipse 21"/>
+          <p:cNvSpPr/>
+          <p:nvPr/>
+        </p:nvSpPr>
+        <p:spPr>
+          <a:xfrm>
+            <a:off x="1700405" y="4900753"/>
+            <a:ext cx="576064" cy="864096"/>
+          </a:xfrm>
+          <a:prstGeom prst="ellipse">
+            <a:avLst/>
+          </a:prstGeom>
+          <a:noFill/>
+          <a:ln w="28575">
+            <a:solidFill>
+              <a:srgbClr val="FF0000"/>
+            </a:solidFill>
+          </a:ln>
+        </p:spPr>
+        <p:style>
+          <a:lnRef idx="2">
+            <a:schemeClr val="accent1">
+              <a:shade val="50000"/>
+            </a:schemeClr>
+          </a:lnRef>
+          <a:fillRef idx="1">
+            <a:schemeClr val="accent1"/>
+          </a:fillRef>
+          <a:effectRef idx="0">
+            <a:schemeClr val="accent1"/>
+          </a:effectRef>
+          <a:fontRef idx="minor">
+            <a:schemeClr val="lt1"/>
+          </a:fontRef>
+        </p:style>
+        <p:txBody>
+          <a:bodyPr rtlCol="0" anchor="ctr"/>
+          <a:lstStyle/>
+          <a:p>
+            <a:pPr algn="ctr"/>
+            <a:endParaRPr lang="fr-FR"/>
+          </a:p>
+        </p:txBody>
+      </p:sp>
+      <p:sp>
+        <p:nvSpPr>
+          <p:cNvPr id="23" name="ZoneTexte 22"/>
+          <p:cNvSpPr txBox="1"/>
+          <p:nvPr/>
+        </p:nvSpPr>
+        <p:spPr>
+          <a:xfrm>
+            <a:off x="1350070" y="5548825"/>
+            <a:ext cx="561372" cy="461665"/>
+          </a:xfrm>
+          <a:prstGeom prst="rect">
+            <a:avLst/>
+          </a:prstGeom>
+          <a:noFill/>
+        </p:spPr>
+        <p:txBody>
+          <a:bodyPr wrap="none" rtlCol="0">
+            <a:spAutoFit/>
+          </a:bodyPr>
+          <a:lstStyle/>
+          <a:p>
+            <a:r>
+              <a:rPr lang="fr-FR" sz="2400" dirty="0" smtClean="0">
+                <a:solidFill>
+                  <a:srgbClr val="FF0000"/>
+                </a:solidFill>
+              </a:rPr>
+              <a:t>(4)</a:t>
+            </a:r>
+            <a:endParaRPr lang="fr-FR" sz="2400" dirty="0">
+              <a:solidFill>
+                <a:srgbClr val="FF0000"/>
+              </a:solidFill>
+            </a:endParaRPr>
+          </a:p>
+        </p:txBody>
+      </p:sp>
+      <p:sp>
+        <p:nvSpPr>
+          <p:cNvPr id="30" name="Ellipse 29"/>
+          <p:cNvSpPr/>
+          <p:nvPr/>
+        </p:nvSpPr>
+        <p:spPr>
+          <a:xfrm>
+            <a:off x="3092954" y="7853962"/>
+            <a:ext cx="576064" cy="864096"/>
+          </a:xfrm>
+          <a:prstGeom prst="ellipse">
+            <a:avLst/>
+          </a:prstGeom>
+          <a:noFill/>
+          <a:ln w="28575">
+            <a:solidFill>
+              <a:srgbClr val="FF0000"/>
+            </a:solidFill>
+          </a:ln>
+        </p:spPr>
+        <p:style>
+          <a:lnRef idx="2">
+            <a:schemeClr val="accent1">
+              <a:shade val="50000"/>
+            </a:schemeClr>
+          </a:lnRef>
+          <a:fillRef idx="1">
+            <a:schemeClr val="accent1"/>
+          </a:fillRef>
+          <a:effectRef idx="0">
+            <a:schemeClr val="accent1"/>
+          </a:effectRef>
+          <a:fontRef idx="minor">
+            <a:schemeClr val="lt1"/>
+          </a:fontRef>
+        </p:style>
+        <p:txBody>
+          <a:bodyPr rot="0" spcFirstLastPara="0" vert="horz" wrap="square" lIns="91440" tIns="45720" rIns="91440" bIns="45720" numCol="1" spcCol="0" rtlCol="0" fromWordArt="0" anchor="ctr" anchorCtr="0" forceAA="0" compatLnSpc="1">
+            <a:prstTxWarp prst="textNoShape">
+              <a:avLst/>
+            </a:prstTxWarp>
+            <a:noAutofit/>
+          </a:bodyPr>
+          <a:lstStyle>
+            <a:defPPr>
+              <a:defRPr lang="fr-FR"/>
+            </a:defPPr>
+            <a:lvl1pPr marL="0" algn="l" defTabSz="914400" rtl="0" eaLnBrk="1" latinLnBrk="0" hangingPunct="1">
+              <a:defRPr sz="1800" kern="1200">
+                <a:solidFill>
+                  <a:schemeClr val="lt1"/>
+                </a:solidFill>
+                <a:latin typeface="+mn-lt"/>
+                <a:ea typeface="+mn-ea"/>
+                <a:cs typeface="+mn-cs"/>
+              </a:defRPr>
+            </a:lvl1pPr>
+            <a:lvl2pPr marL="457200" algn="l" defTabSz="914400" rtl="0" eaLnBrk="1" latinLnBrk="0" hangingPunct="1">
+              <a:defRPr sz="1800" kern="1200">
+                <a:solidFill>
+                  <a:schemeClr val="lt1"/>
+                </a:solidFill>
+                <a:latin typeface="+mn-lt"/>
+                <a:ea typeface="+mn-ea"/>
+                <a:cs typeface="+mn-cs"/>
+              </a:defRPr>
+            </a:lvl2pPr>
+            <a:lvl3pPr marL="914400" algn="l" defTabSz="914400" rtl="0" eaLnBrk="1" latinLnBrk="0" hangingPunct="1">
+              <a:defRPr sz="1800" kern="1200">
+                <a:solidFill>
+                  <a:schemeClr val="lt1"/>
+                </a:solidFill>
+                <a:latin typeface="+mn-lt"/>
+                <a:ea typeface="+mn-ea"/>
+                <a:cs typeface="+mn-cs"/>
+              </a:defRPr>
+            </a:lvl3pPr>
+            <a:lvl4pPr marL="1371600" algn="l" defTabSz="914400" rtl="0" eaLnBrk="1" latinLnBrk="0" hangingPunct="1">
+              <a:defRPr sz="1800" kern="1200">
+                <a:solidFill>
+                  <a:schemeClr val="lt1"/>
+                </a:solidFill>
+                <a:latin typeface="+mn-lt"/>
+                <a:ea typeface="+mn-ea"/>
+                <a:cs typeface="+mn-cs"/>
+              </a:defRPr>
+            </a:lvl4pPr>
+            <a:lvl5pPr marL="1828800" algn="l" defTabSz="914400" rtl="0" eaLnBrk="1" latinLnBrk="0" hangingPunct="1">
+              <a:defRPr sz="1800" kern="1200">
+                <a:solidFill>
+                  <a:schemeClr val="lt1"/>
+                </a:solidFill>
+                <a:latin typeface="+mn-lt"/>
+                <a:ea typeface="+mn-ea"/>
+                <a:cs typeface="+mn-cs"/>
+              </a:defRPr>
+            </a:lvl5pPr>
+            <a:lvl6pPr marL="2286000" algn="l" defTabSz="914400" rtl="0" eaLnBrk="1" latinLnBrk="0" hangingPunct="1">
+              <a:defRPr sz="1800" kern="1200">
+                <a:solidFill>
+                  <a:schemeClr val="lt1"/>
+                </a:solidFill>
+                <a:latin typeface="+mn-lt"/>
+                <a:ea typeface="+mn-ea"/>
+                <a:cs typeface="+mn-cs"/>
+              </a:defRPr>
+            </a:lvl6pPr>
+            <a:lvl7pPr marL="2743200" algn="l" defTabSz="914400" rtl="0" eaLnBrk="1" latinLnBrk="0" hangingPunct="1">
+              <a:defRPr sz="1800" kern="1200">
+                <a:solidFill>
+                  <a:schemeClr val="lt1"/>
+                </a:solidFill>
+                <a:latin typeface="+mn-lt"/>
+                <a:ea typeface="+mn-ea"/>
+                <a:cs typeface="+mn-cs"/>
+              </a:defRPr>
+            </a:lvl7pPr>
+            <a:lvl8pPr marL="3200400" algn="l" defTabSz="914400" rtl="0" eaLnBrk="1" latinLnBrk="0" hangingPunct="1">
+              <a:defRPr sz="1800" kern="1200">
+                <a:solidFill>
+                  <a:schemeClr val="lt1"/>
+                </a:solidFill>
+                <a:latin typeface="+mn-lt"/>
+                <a:ea typeface="+mn-ea"/>
+                <a:cs typeface="+mn-cs"/>
+              </a:defRPr>
+            </a:lvl8pPr>
+            <a:lvl9pPr marL="3657600" algn="l" defTabSz="914400" rtl="0" eaLnBrk="1" latinLnBrk="0" hangingPunct="1">
+              <a:defRPr sz="1800" kern="1200">
+                <a:solidFill>
+                  <a:schemeClr val="lt1"/>
+                </a:solidFill>
+                <a:latin typeface="+mn-lt"/>
+                <a:ea typeface="+mn-ea"/>
+                <a:cs typeface="+mn-cs"/>
+              </a:defRPr>
+            </a:lvl9pPr>
+          </a:lstStyle>
+          <a:p>
+            <a:pPr algn="ctr"/>
+            <a:endParaRPr lang="fr-FR"/>
+          </a:p>
+        </p:txBody>
+      </p:sp>
+      <p:sp>
+        <p:nvSpPr>
+          <p:cNvPr id="31" name="ZoneTexte 2"/>
+          <p:cNvSpPr txBox="1"/>
+          <p:nvPr/>
+        </p:nvSpPr>
+        <p:spPr>
+          <a:xfrm>
+            <a:off x="3539694" y="8502034"/>
+            <a:ext cx="561372" cy="461665"/>
+          </a:xfrm>
+          <a:prstGeom prst="rect">
+            <a:avLst/>
+          </a:prstGeom>
+          <a:noFill/>
+        </p:spPr>
+        <p:txBody>
+          <a:bodyPr wrap="none" rtlCol="0">
+            <a:spAutoFit/>
+          </a:bodyPr>
+          <a:lstStyle>
+            <a:defPPr>
+              <a:defRPr lang="fr-FR"/>
+            </a:defPPr>
+            <a:lvl1pPr marL="0" algn="l" defTabSz="914400" rtl="0" eaLnBrk="1" latinLnBrk="0" hangingPunct="1">
+              <a:defRPr sz="1800" kern="1200">
+                <a:solidFill>
+                  <a:schemeClr val="tx1"/>
+                </a:solidFill>
+                <a:latin typeface="+mn-lt"/>
+                <a:ea typeface="+mn-ea"/>
+                <a:cs typeface="+mn-cs"/>
+              </a:defRPr>
+            </a:lvl1pPr>
+            <a:lvl2pPr marL="457200" algn="l" defTabSz="914400" rtl="0" eaLnBrk="1" latinLnBrk="0" hangingPunct="1">
+              <a:defRPr sz="1800" kern="1200">
+                <a:solidFill>
+                  <a:schemeClr val="tx1"/>
+                </a:solidFill>
+                <a:latin typeface="+mn-lt"/>
+                <a:ea typeface="+mn-ea"/>
+                <a:cs typeface="+mn-cs"/>
+              </a:defRPr>
+            </a:lvl2pPr>
+            <a:lvl3pPr marL="914400" algn="l" defTabSz="914400" rtl="0" eaLnBrk="1" latinLnBrk="0" hangingPunct="1">
+              <a:defRPr sz="1800" kern="1200">
+                <a:solidFill>
+                  <a:schemeClr val="tx1"/>
+                </a:solidFill>
+                <a:latin typeface="+mn-lt"/>
+                <a:ea typeface="+mn-ea"/>
+                <a:cs typeface="+mn-cs"/>
+              </a:defRPr>
+            </a:lvl3pPr>
+            <a:lvl4pPr marL="1371600" algn="l" defTabSz="914400" rtl="0" eaLnBrk="1" latinLnBrk="0" hangingPunct="1">
+              <a:defRPr sz="1800" kern="1200">
+                <a:solidFill>
+                  <a:schemeClr val="tx1"/>
+                </a:solidFill>
+                <a:latin typeface="+mn-lt"/>
+                <a:ea typeface="+mn-ea"/>
+                <a:cs typeface="+mn-cs"/>
+              </a:defRPr>
+            </a:lvl4pPr>
+            <a:lvl5pPr marL="1828800" algn="l" defTabSz="914400" rtl="0" eaLnBrk="1" latinLnBrk="0" hangingPunct="1">
+              <a:defRPr sz="1800" kern="1200">
+                <a:solidFill>
+                  <a:schemeClr val="tx1"/>
+                </a:solidFill>
+                <a:latin typeface="+mn-lt"/>
+                <a:ea typeface="+mn-ea"/>
+                <a:cs typeface="+mn-cs"/>
+              </a:defRPr>
+            </a:lvl5pPr>
+            <a:lvl6pPr marL="2286000" algn="l" defTabSz="914400" rtl="0" eaLnBrk="1" latinLnBrk="0" hangingPunct="1">
+              <a:defRPr sz="1800" kern="1200">
+                <a:solidFill>
+                  <a:schemeClr val="tx1"/>
+                </a:solidFill>
+                <a:latin typeface="+mn-lt"/>
+                <a:ea typeface="+mn-ea"/>
+                <a:cs typeface="+mn-cs"/>
+              </a:defRPr>
+            </a:lvl6pPr>
+            <a:lvl7pPr marL="2743200" algn="l" defTabSz="914400" rtl="0" eaLnBrk="1" latinLnBrk="0" hangingPunct="1">
+              <a:defRPr sz="1800" kern="1200">
+                <a:solidFill>
+                  <a:schemeClr val="tx1"/>
+                </a:solidFill>
+                <a:latin typeface="+mn-lt"/>
+                <a:ea typeface="+mn-ea"/>
+                <a:cs typeface="+mn-cs"/>
+              </a:defRPr>
+            </a:lvl7pPr>
+            <a:lvl8pPr marL="3200400" algn="l" defTabSz="914400" rtl="0" eaLnBrk="1" latinLnBrk="0" hangingPunct="1">
+              <a:defRPr sz="1800" kern="1200">
+                <a:solidFill>
+                  <a:schemeClr val="tx1"/>
+                </a:solidFill>
+                <a:latin typeface="+mn-lt"/>
+                <a:ea typeface="+mn-ea"/>
+                <a:cs typeface="+mn-cs"/>
+              </a:defRPr>
+            </a:lvl8pPr>
+            <a:lvl9pPr marL="3657600" algn="l" defTabSz="914400" rtl="0" eaLnBrk="1" latinLnBrk="0" hangingPunct="1">
+              <a:defRPr sz="1800" kern="1200">
+                <a:solidFill>
+                  <a:schemeClr val="tx1"/>
+                </a:solidFill>
+                <a:latin typeface="+mn-lt"/>
+                <a:ea typeface="+mn-ea"/>
+                <a:cs typeface="+mn-cs"/>
+              </a:defRPr>
+            </a:lvl9pPr>
+          </a:lstStyle>
+          <a:p>
+            <a:r>
+              <a:rPr lang="fr-FR" sz="2400" dirty="0" smtClean="0">
+                <a:solidFill>
+                  <a:srgbClr val="FF0000"/>
+                </a:solidFill>
+              </a:rPr>
+              <a:t>(5)</a:t>
+            </a:r>
+            <a:endParaRPr lang="fr-FR" sz="2400" dirty="0">
+              <a:solidFill>
+                <a:srgbClr val="FF0000"/>
+              </a:solidFill>
+            </a:endParaRPr>
+          </a:p>
+        </p:txBody>
+      </p:sp>
+      <p:grpSp>
+        <p:nvGrpSpPr>
+          <p:cNvPr id="36" name="Groupe 35"/>
+          <p:cNvGrpSpPr/>
+          <p:nvPr/>
+        </p:nvGrpSpPr>
+        <p:grpSpPr>
+          <a:xfrm>
+            <a:off x="1562923" y="2340494"/>
+            <a:ext cx="795259" cy="463184"/>
+            <a:chOff x="3026213" y="2052003"/>
+            <a:chExt cx="610253" cy="463181"/>
+          </a:xfrm>
+        </p:grpSpPr>
+        <p:sp>
+          <p:nvSpPr>
+            <p:cNvPr id="37" name="Ellipse 36"/>
+            <p:cNvSpPr/>
+            <p:nvPr/>
+          </p:nvSpPr>
+          <p:spPr>
+            <a:xfrm>
+              <a:off x="3132410" y="2070000"/>
+              <a:ext cx="432048" cy="445184"/>
+            </a:xfrm>
+            <a:prstGeom prst="ellipse">
+              <a:avLst/>
+            </a:prstGeom>
+            <a:noFill/>
+            <a:ln w="19050">
+              <a:solidFill>
+                <a:srgbClr val="FF0000"/>
+              </a:solidFill>
+              <a:prstDash val="sysDash"/>
+            </a:ln>
+          </p:spPr>
+          <p:style>
+            <a:lnRef idx="2">
+              <a:schemeClr val="accent1">
+                <a:shade val="50000"/>
+              </a:schemeClr>
+            </a:lnRef>
+            <a:fillRef idx="1">
+              <a:schemeClr val="accent1"/>
+            </a:fillRef>
+            <a:effectRef idx="0">
+              <a:schemeClr val="accent1"/>
+            </a:effectRef>
+            <a:fontRef idx="minor">
+              <a:schemeClr val="lt1"/>
+            </a:fontRef>
+          </p:style>
+          <p:txBody>
+            <a:bodyPr rtlCol="0" anchor="ctr"/>
+            <a:lstStyle/>
+            <a:p>
+              <a:pPr algn="ctr"/>
+              <a:endParaRPr lang="en-US">
+                <a:solidFill>
+                  <a:srgbClr val="FF0000"/>
+                </a:solidFill>
+              </a:endParaRPr>
+            </a:p>
+          </p:txBody>
+        </p:sp>
+        <p:sp>
+          <p:nvSpPr>
+            <p:cNvPr id="40" name="Rectangle 39"/>
+            <p:cNvSpPr/>
+            <p:nvPr/>
+          </p:nvSpPr>
+          <p:spPr>
+            <a:xfrm>
+              <a:off x="3026213" y="2052003"/>
+              <a:ext cx="610253" cy="201600"/>
+            </a:xfrm>
+            <a:prstGeom prst="rect">
+              <a:avLst/>
+            </a:prstGeom>
+            <a:solidFill>
+              <a:schemeClr val="bg1"/>
+            </a:solidFill>
+            <a:ln>
+              <a:solidFill>
+                <a:schemeClr val="bg1"/>
+              </a:solidFill>
+            </a:ln>
+          </p:spPr>
+          <p:style>
+            <a:lnRef idx="2">
+              <a:schemeClr val="accent1">
+                <a:shade val="50000"/>
+              </a:schemeClr>
+            </a:lnRef>
+            <a:fillRef idx="1">
+              <a:schemeClr val="accent1"/>
+            </a:fillRef>
+            <a:effectRef idx="0">
+              <a:schemeClr val="accent1"/>
+            </a:effectRef>
+            <a:fontRef idx="minor">
+              <a:schemeClr val="lt1"/>
+            </a:fontRef>
+          </p:style>
+          <p:txBody>
+            <a:bodyPr rtlCol="0" anchor="ctr"/>
+            <a:lstStyle/>
+            <a:p>
+              <a:pPr algn="ctr"/>
+              <a:endParaRPr lang="fr-FR"/>
+            </a:p>
+          </p:txBody>
+        </p:sp>
+      </p:grpSp>
+      <p:sp>
+        <p:nvSpPr>
+          <p:cNvPr id="41" name="ZoneTexte 40"/>
+          <p:cNvSpPr txBox="1"/>
+          <p:nvPr/>
+        </p:nvSpPr>
+        <p:spPr>
+          <a:xfrm>
+            <a:off x="1278062" y="2564554"/>
+            <a:ext cx="644442" cy="461665"/>
+          </a:xfrm>
+          <a:prstGeom prst="rect">
+            <a:avLst/>
+          </a:prstGeom>
+          <a:noFill/>
+        </p:spPr>
+        <p:txBody>
+          <a:bodyPr wrap="square" rtlCol="0">
+            <a:spAutoFit/>
+          </a:bodyPr>
+          <a:lstStyle/>
+          <a:p>
+            <a:r>
+              <a:rPr lang="fr-FR" sz="2400" dirty="0" smtClean="0">
+                <a:solidFill>
+                  <a:srgbClr val="FF0000"/>
+                </a:solidFill>
+                <a:latin typeface="Times New Roman" panose="02020603050405020304" pitchFamily="18" charset="0"/>
+                <a:cs typeface="Times New Roman" panose="02020603050405020304" pitchFamily="18" charset="0"/>
+              </a:rPr>
+              <a:t>(6)</a:t>
+            </a:r>
+            <a:endParaRPr lang="en-US" sz="2400" dirty="0">
+              <a:solidFill>
+                <a:srgbClr val="FF0000"/>
+              </a:solidFill>
+              <a:latin typeface="Times New Roman" panose="02020603050405020304" pitchFamily="18" charset="0"/>
+              <a:cs typeface="Times New Roman" panose="02020603050405020304" pitchFamily="18" charset="0"/>
+            </a:endParaRPr>
+          </a:p>
+        </p:txBody>
+      </p:sp>
       <p:pic>
         <p:nvPicPr>
-          <p:cNvPr id="36" name="Picture 4" descr=""/>
-          <p:cNvPicPr/>
+          <p:cNvPr id="1042" name="Picture 18"/>
+          <p:cNvPicPr>
+            <a:picLocks noChangeAspect="1" noChangeArrowheads="1"/>
+          </p:cNvPicPr>
           <p:nvPr/>
         </p:nvPicPr>
         <p:blipFill>
-          <a:blip r:embed="rId1"/>
+          <a:blip r:embed="rId2">
+            <a:extLst>
+              <a:ext uri="{28A0092B-C50C-407E-A947-70E740481C1C}">
+                <a14:useLocalDpi xmlns:a14="http://schemas.microsoft.com/office/drawing/2010/main" val="0"/>
+              </a:ext>
+            </a:extLst>
+          </a:blip>
+          <a:srcRect/>
           <a:stretch>
             <a:fillRect/>
           </a:stretch>
         </p:blipFill>
-        <p:spPr>
-          <a:xfrm>
-            <a:off x="-57600" y="136800"/>
-            <a:ext cx="5846040" cy="10970640"/>
-          </a:xfrm>
-          <a:prstGeom prst="rect">
-            <a:avLst/>
-          </a:prstGeom>
+        <p:spPr bwMode="auto">
+          <a:xfrm>
+            <a:off x="5612400" y="90239"/>
+            <a:ext cx="5664200" cy="2754313"/>
+          </a:xfrm>
+          <a:prstGeom prst="rect">
+            <a:avLst/>
+          </a:prstGeom>
+          <a:noFill/>
           <a:ln>
             <a:noFill/>
           </a:ln>
+          <a:extLst>
+            <a:ext uri="{909E8E84-426E-40DD-AFC4-6F175D3DCCD1}">
+              <a14:hiddenFill xmlns:a14="http://schemas.microsoft.com/office/drawing/2010/main">
+                <a:solidFill>
+                  <a:schemeClr val="accent1"/>
+                </a:solidFill>
+              </a14:hiddenFill>
+            </a:ext>
+            <a:ext uri="{91240B29-F687-4F45-9708-019B960494DF}">
+              <a14:hiddenLine xmlns:a14="http://schemas.microsoft.com/office/drawing/2010/main" w="9525">
+                <a:solidFill>
+                  <a:schemeClr val="tx1"/>
+                </a:solidFill>
+                <a:miter lim="800000"/>
+                <a:headEnd/>
+                <a:tailEnd/>
+              </a14:hiddenLine>
+            </a:ext>
+          </a:extLst>
         </p:spPr>
       </p:pic>
       <p:pic>
         <p:nvPicPr>
-          <p:cNvPr id="37" name="Picture 3" descr=""/>
-          <p:cNvPicPr/>
+          <p:cNvPr id="1039" name="Picture 15"/>
+          <p:cNvPicPr>
+            <a:picLocks noChangeAspect="1" noChangeArrowheads="1"/>
+          </p:cNvPicPr>
           <p:nvPr/>
         </p:nvPicPr>
         <p:blipFill>
-          <a:blip r:embed="rId2"/>
+          <a:blip r:embed="rId3">
+            <a:extLst>
+              <a:ext uri="{28A0092B-C50C-407E-A947-70E740481C1C}">
+                <a14:useLocalDpi xmlns:a14="http://schemas.microsoft.com/office/drawing/2010/main" val="0"/>
+              </a:ext>
+            </a:extLst>
+          </a:blip>
+          <a:srcRect/>
           <a:stretch>
             <a:fillRect/>
           </a:stretch>
         </p:blipFill>
-        <p:spPr>
-          <a:xfrm>
-            <a:off x="5472000" y="136800"/>
-            <a:ext cx="5846040" cy="10980000"/>
-          </a:xfrm>
-          <a:prstGeom prst="rect">
-            <a:avLst/>
-          </a:prstGeom>
-          <a:ln>
-            <a:noFill/>
-          </a:ln>
-        </p:spPr>
-      </p:pic>
-      <p:sp>
-        <p:nvSpPr>
-          <p:cNvPr id="38" name="CustomShape 1"/>
-          <p:cNvSpPr/>
-          <p:nvPr/>
-        </p:nvSpPr>
-        <p:spPr>
-          <a:xfrm>
-            <a:off x="344160" y="-35640"/>
-            <a:ext cx="520560" cy="455760"/>
+        <p:spPr bwMode="auto">
+          <a:xfrm>
+            <a:off x="5612400" y="2343600"/>
+            <a:ext cx="5638800" cy="8855075"/>
           </a:xfrm>
           <a:prstGeom prst="rect">
             <a:avLst/>
@@ -1452,9 +2411,157 @@
           <a:ln>
             <a:noFill/>
           </a:ln>
-        </p:spPr>
-        <p:txBody>
-          <a:bodyPr wrap="none" lIns="90000" rIns="90000" tIns="45000" bIns="45000"/>
+          <a:extLst>
+            <a:ext uri="{909E8E84-426E-40DD-AFC4-6F175D3DCCD1}">
+              <a14:hiddenFill xmlns:a14="http://schemas.microsoft.com/office/drawing/2010/main">
+                <a:solidFill>
+                  <a:schemeClr val="accent1"/>
+                </a:solidFill>
+              </a14:hiddenFill>
+            </a:ext>
+            <a:ext uri="{91240B29-F687-4F45-9708-019B960494DF}">
+              <a14:hiddenLine xmlns:a14="http://schemas.microsoft.com/office/drawing/2010/main" w="9525">
+                <a:solidFill>
+                  <a:schemeClr val="tx1"/>
+                </a:solidFill>
+                <a:miter lim="800000"/>
+                <a:headEnd/>
+                <a:tailEnd/>
+              </a14:hiddenLine>
+            </a:ext>
+          </a:extLst>
+        </p:spPr>
+      </p:pic>
+      <p:pic>
+        <p:nvPicPr>
+          <p:cNvPr id="1037" name="Picture 13"/>
+          <p:cNvPicPr>
+            <a:picLocks noChangeAspect="1" noChangeArrowheads="1"/>
+          </p:cNvPicPr>
+          <p:nvPr/>
+        </p:nvPicPr>
+        <p:blipFill>
+          <a:blip r:embed="rId4">
+            <a:extLst>
+              <a:ext uri="{28A0092B-C50C-407E-A947-70E740481C1C}">
+                <a14:useLocalDpi xmlns:a14="http://schemas.microsoft.com/office/drawing/2010/main" val="0"/>
+              </a:ext>
+            </a:extLst>
+          </a:blip>
+          <a:srcRect/>
+          <a:stretch>
+            <a:fillRect/>
+          </a:stretch>
+        </p:blipFill>
+        <p:spPr bwMode="auto">
+          <a:xfrm>
+            <a:off x="14992" y="109318"/>
+            <a:ext cx="5662800" cy="2735234"/>
+          </a:xfrm>
+          <a:prstGeom prst="rect">
+            <a:avLst/>
+          </a:prstGeom>
+          <a:noFill/>
+          <a:ln>
+            <a:noFill/>
+          </a:ln>
+          <a:extLst>
+            <a:ext uri="{909E8E84-426E-40DD-AFC4-6F175D3DCCD1}">
+              <a14:hiddenFill xmlns:a14="http://schemas.microsoft.com/office/drawing/2010/main">
+                <a:solidFill>
+                  <a:schemeClr val="accent1"/>
+                </a:solidFill>
+              </a14:hiddenFill>
+            </a:ext>
+            <a:ext uri="{91240B29-F687-4F45-9708-019B960494DF}">
+              <a14:hiddenLine xmlns:a14="http://schemas.microsoft.com/office/drawing/2010/main" w="9525">
+                <a:solidFill>
+                  <a:schemeClr val="tx1"/>
+                </a:solidFill>
+                <a:miter lim="800000"/>
+                <a:headEnd/>
+                <a:tailEnd/>
+              </a14:hiddenLine>
+            </a:ext>
+          </a:extLst>
+        </p:spPr>
+      </p:pic>
+      <p:pic>
+        <p:nvPicPr>
+          <p:cNvPr id="1026" name="Picture 2"/>
+          <p:cNvPicPr>
+            <a:picLocks noChangeAspect="1" noChangeArrowheads="1"/>
+          </p:cNvPicPr>
+          <p:nvPr/>
+        </p:nvPicPr>
+        <p:blipFill>
+          <a:blip r:embed="rId5">
+            <a:extLst>
+              <a:ext uri="{28A0092B-C50C-407E-A947-70E740481C1C}">
+                <a14:useLocalDpi xmlns:a14="http://schemas.microsoft.com/office/drawing/2010/main" val="0"/>
+              </a:ext>
+            </a:extLst>
+          </a:blip>
+          <a:srcRect/>
+          <a:stretch>
+            <a:fillRect/>
+          </a:stretch>
+        </p:blipFill>
+        <p:spPr bwMode="auto">
+          <a:xfrm>
+            <a:off x="46020" y="2342405"/>
+            <a:ext cx="5638800" cy="8855075"/>
+          </a:xfrm>
+          <a:prstGeom prst="rect">
+            <a:avLst/>
+          </a:prstGeom>
+          <a:noFill/>
+          <a:ln>
+            <a:noFill/>
+          </a:ln>
+          <a:extLst>
+            <a:ext uri="{909E8E84-426E-40DD-AFC4-6F175D3DCCD1}">
+              <a14:hiddenFill xmlns:a14="http://schemas.microsoft.com/office/drawing/2010/main">
+                <a:solidFill>
+                  <a:schemeClr val="accent1"/>
+                </a:solidFill>
+              </a14:hiddenFill>
+            </a:ext>
+            <a:ext uri="{91240B29-F687-4F45-9708-019B960494DF}">
+              <a14:hiddenLine xmlns:a14="http://schemas.microsoft.com/office/drawing/2010/main" w="9525">
+                <a:solidFill>
+                  <a:schemeClr val="tx1"/>
+                </a:solidFill>
+                <a:miter lim="800000"/>
+                <a:headEnd/>
+                <a:tailEnd/>
+              </a14:hiddenLine>
+            </a:ext>
+          </a:extLst>
+        </p:spPr>
+      </p:pic>
+      <p:sp>
+        <p:nvSpPr>
+          <p:cNvPr id="38" name="CustomShape 1"/>
+          <p:cNvSpPr/>
+          <p:nvPr/>
+        </p:nvSpPr>
+        <p:spPr>
+          <a:xfrm>
+            <a:off x="269950" y="-59480"/>
+            <a:ext cx="520560" cy="455760"/>
+          </a:xfrm>
+          <a:prstGeom prst="rect">
+            <a:avLst/>
+          </a:prstGeom>
+          <a:noFill/>
+          <a:ln>
+            <a:noFill/>
+          </a:ln>
+        </p:spPr>
+        <p:txBody>
+          <a:bodyPr wrap="none" lIns="90000" tIns="45000" rIns="90000" bIns="45000"/>
+          <a:lstStyle/>
           <a:p>
             <a:pPr>
               <a:lnSpc>
@@ -1462,7 +2569,7 @@
               </a:lnSpc>
             </a:pPr>
             <a:r>
-              <a:rPr lang="en-US" sz="3200">
+              <a:rPr lang="en-US" sz="3200" dirty="0">
                 <a:solidFill>
                   <a:srgbClr val="000000"/>
                 </a:solidFill>
@@ -1470,7 +2577,7 @@
               </a:rPr>
               <a:t>(a)</a:t>
             </a:r>
-            <a:endParaRPr/>
+            <a:endParaRPr dirty="0"/>
           </a:p>
         </p:txBody>
       </p:sp>
@@ -1482,7 +2589,7 @@
         </p:nvSpPr>
         <p:spPr>
           <a:xfrm>
-            <a:off x="5852880" y="-35640"/>
+            <a:off x="5852880" y="-59480"/>
             <a:ext cx="520560" cy="455760"/>
           </a:xfrm>
           <a:prstGeom prst="rect">
@@ -1494,7 +2601,8 @@
           </a:ln>
         </p:spPr>
         <p:txBody>
-          <a:bodyPr wrap="none" lIns="90000" rIns="90000" tIns="45000" bIns="45000"/>
+          <a:bodyPr wrap="none" lIns="90000" tIns="45000" rIns="90000" bIns="45000"/>
+          <a:lstStyle/>
           <a:p>
             <a:pPr>
               <a:lnSpc>
@@ -1502,28 +2610,28 @@
               </a:lnSpc>
             </a:pPr>
             <a:r>
-              <a:rPr lang="en-US" sz="3200">
+              <a:rPr lang="en-US" sz="3200" dirty="0" smtClean="0">
                 <a:solidFill>
                   <a:srgbClr val="000000"/>
                 </a:solidFill>
                 <a:latin typeface="Times New Roman"/>
               </a:rPr>
-              <a:t>(c)</a:t>
+              <a:t>(b)</a:t>
             </a:r>
-            <a:endParaRPr/>
-          </a:p>
-        </p:txBody>
-      </p:sp>
-      <p:sp>
-        <p:nvSpPr>
-          <p:cNvPr id="40" name="CustomShape 3"/>
+            <a:endParaRPr dirty="0"/>
+          </a:p>
+        </p:txBody>
+      </p:sp>
+      <p:sp>
+        <p:nvSpPr>
+          <p:cNvPr id="43" name="CustomShape 6"/>
           <p:cNvSpPr/>
           <p:nvPr/>
         </p:nvSpPr>
         <p:spPr>
           <a:xfrm>
-            <a:off x="268920" y="2088360"/>
-            <a:ext cx="537480" cy="455760"/>
+            <a:off x="9954720" y="2484360"/>
+            <a:ext cx="619560" cy="638640"/>
           </a:xfrm>
           <a:prstGeom prst="rect">
             <a:avLst/>
@@ -1534,145 +2642,8 @@
           </a:ln>
         </p:spPr>
         <p:txBody>
-          <a:bodyPr wrap="none" lIns="90000" rIns="90000" tIns="45000" bIns="45000"/>
-          <a:p>
-            <a:pPr>
-              <a:lnSpc>
-                <a:spcPct val="100000"/>
-              </a:lnSpc>
-            </a:pPr>
-            <a:r>
-              <a:rPr lang="en-US" sz="3200">
-                <a:solidFill>
-                  <a:srgbClr val="000000"/>
-                </a:solidFill>
-                <a:latin typeface="Times New Roman"/>
-              </a:rPr>
-              <a:t>(b)</a:t>
-            </a:r>
-            <a:endParaRPr/>
-          </a:p>
-        </p:txBody>
-      </p:sp>
-      <p:sp>
-        <p:nvSpPr>
-          <p:cNvPr id="41" name="CustomShape 4"/>
-          <p:cNvSpPr/>
-          <p:nvPr/>
-        </p:nvSpPr>
-        <p:spPr>
-          <a:xfrm>
-            <a:off x="5817240" y="2088720"/>
-            <a:ext cx="537480" cy="455760"/>
-          </a:xfrm>
-          <a:prstGeom prst="rect">
-            <a:avLst/>
-          </a:prstGeom>
-          <a:noFill/>
-          <a:ln>
-            <a:noFill/>
-          </a:ln>
-        </p:spPr>
-        <p:txBody>
-          <a:bodyPr wrap="none" lIns="90000" rIns="90000" tIns="45000" bIns="45000"/>
-          <a:p>
-            <a:pPr>
-              <a:lnSpc>
-                <a:spcPct val="100000"/>
-              </a:lnSpc>
-            </a:pPr>
-            <a:r>
-              <a:rPr lang="en-US" sz="3200">
-                <a:solidFill>
-                  <a:srgbClr val="000000"/>
-                </a:solidFill>
-                <a:latin typeface="Times New Roman"/>
-              </a:rPr>
-              <a:t>(d)</a:t>
-            </a:r>
-            <a:endParaRPr/>
-          </a:p>
-        </p:txBody>
-      </p:sp>
-      <p:sp>
-        <p:nvSpPr>
-          <p:cNvPr id="42" name="CustomShape 5"/>
-          <p:cNvSpPr/>
-          <p:nvPr/>
-        </p:nvSpPr>
-        <p:spPr>
-          <a:xfrm>
-            <a:off x="9402480" y="425880"/>
-            <a:ext cx="1220400" cy="577440"/>
-          </a:xfrm>
-          <a:prstGeom prst="rect">
-            <a:avLst/>
-          </a:prstGeom>
-          <a:noFill/>
-          <a:ln>
-            <a:noFill/>
-          </a:ln>
-        </p:spPr>
-        <p:txBody>
-          <a:bodyPr wrap="none" lIns="90000" rIns="90000" tIns="45000" bIns="45000"/>
-          <a:p>
-            <a:pPr>
-              <a:lnSpc>
-                <a:spcPct val="100000"/>
-              </a:lnSpc>
-            </a:pPr>
-            <a:r>
-              <a:rPr b="1" lang="en-US" sz="3200">
-                <a:solidFill>
-                  <a:srgbClr val="ff0000"/>
-                </a:solidFill>
-                <a:latin typeface="Times New Roman"/>
-              </a:rPr>
-              <a:t>X</a:t>
-            </a:r>
-            <a:r>
-              <a:rPr b="1" lang="en-US" sz="3200" baseline="30000">
-                <a:solidFill>
-                  <a:srgbClr val="ff0000"/>
-                </a:solidFill>
-                <a:latin typeface="Times New Roman"/>
-              </a:rPr>
-              <a:t>+</a:t>
-            </a:r>
-            <a:r>
-              <a:rPr b="1" lang="en-US" sz="3200">
-                <a:solidFill>
-                  <a:srgbClr val="ff0000"/>
-                </a:solidFill>
-                <a:latin typeface="Times New Roman"/>
-              </a:rPr>
-              <a:t>-Cr</a:t>
-            </a:r>
-            <a:endParaRPr/>
-          </a:p>
-        </p:txBody>
-      </p:sp>
-      <p:sp>
-        <p:nvSpPr>
-          <p:cNvPr id="43" name="CustomShape 6"/>
-          <p:cNvSpPr/>
-          <p:nvPr/>
-        </p:nvSpPr>
-        <p:spPr>
-          <a:xfrm>
-            <a:off x="9954720" y="2484360"/>
-            <a:ext cx="619560" cy="638640"/>
-          </a:xfrm>
-          <a:prstGeom prst="rect">
-            <a:avLst/>
-          </a:prstGeom>
-          <a:noFill/>
-          <a:ln>
-            <a:noFill/>
-          </a:ln>
-        </p:spPr>
-        <p:txBody>
-          <a:bodyPr wrap="none" lIns="90000" rIns="90000" tIns="45000" bIns="45000"/>
+          <a:bodyPr wrap="none" lIns="90000" tIns="45000" rIns="90000" bIns="45000"/>
+          <a:lstStyle/>
           <a:p>
             <a:pPr>
               <a:lnSpc>
@@ -1682,7 +2653,7 @@
             <a:r>
               <a:rPr lang="en-US" sz="3600">
                 <a:solidFill>
-                  <a:srgbClr val="ff0000"/>
+                  <a:srgbClr val="FF0000"/>
                 </a:solidFill>
                 <a:latin typeface="Symbol"/>
               </a:rPr>
@@ -1691,7 +2662,7 @@
             <a:r>
               <a:rPr lang="en-US" sz="3600">
                 <a:solidFill>
-                  <a:srgbClr val="ff0000"/>
+                  <a:srgbClr val="FF0000"/>
                 </a:solidFill>
                 <a:latin typeface="Calibri"/>
               </a:rPr>
@@ -1721,7 +2692,8 @@
           </a:ln>
         </p:spPr>
         <p:txBody>
-          <a:bodyPr wrap="none" lIns="90000" rIns="90000" tIns="45000" bIns="45000"/>
+          <a:bodyPr wrap="none" lIns="90000" tIns="45000" rIns="90000" bIns="45000"/>
+          <a:lstStyle/>
           <a:p>
             <a:pPr>
               <a:lnSpc>
@@ -1731,7 +2703,7 @@
             <a:r>
               <a:rPr lang="en-US" sz="3600">
                 <a:solidFill>
-                  <a:srgbClr val="ff0000"/>
+                  <a:srgbClr val="FF0000"/>
                 </a:solidFill>
                 <a:latin typeface="Symbol"/>
               </a:rPr>
@@ -1743,14 +2715,14 @@
       </p:sp>
       <p:sp>
         <p:nvSpPr>
-          <p:cNvPr id="45" name="CustomShape 8"/>
+          <p:cNvPr id="46" name="CustomShape 9"/>
           <p:cNvSpPr/>
           <p:nvPr/>
         </p:nvSpPr>
         <p:spPr>
           <a:xfrm>
-            <a:off x="4073760" y="464040"/>
-            <a:ext cx="1220400" cy="577440"/>
+            <a:off x="4590720" y="2612920"/>
+            <a:ext cx="619560" cy="638640"/>
           </a:xfrm>
           <a:prstGeom prst="rect">
             <a:avLst/>
@@ -1761,65 +2733,8 @@
           </a:ln>
         </p:spPr>
         <p:txBody>
-          <a:bodyPr wrap="none" lIns="90000" rIns="90000" tIns="45000" bIns="45000"/>
-          <a:p>
-            <a:pPr>
-              <a:lnSpc>
-                <a:spcPct val="100000"/>
-              </a:lnSpc>
-            </a:pPr>
-            <a:r>
-              <a:rPr b="1" lang="en-US" sz="3200">
-                <a:solidFill>
-                  <a:srgbClr val="ff0000"/>
-                </a:solidFill>
-                <a:latin typeface="Times New Roman"/>
-              </a:rPr>
-              <a:t>X</a:t>
-            </a:r>
-            <a:r>
-              <a:rPr b="1" lang="en-US" sz="3200" baseline="30000">
-                <a:solidFill>
-                  <a:srgbClr val="ff0000"/>
-                </a:solidFill>
-                <a:latin typeface="Times New Roman"/>
-              </a:rPr>
-              <a:t>+</a:t>
-            </a:r>
-            <a:r>
-              <a:rPr b="1" lang="en-US" sz="3200">
-                <a:solidFill>
-                  <a:srgbClr val="ff0000"/>
-                </a:solidFill>
-                <a:latin typeface="Times New Roman"/>
-              </a:rPr>
-              <a:t>-Cr</a:t>
-            </a:r>
-            <a:endParaRPr/>
-          </a:p>
-        </p:txBody>
-      </p:sp>
-      <p:sp>
-        <p:nvSpPr>
-          <p:cNvPr id="46" name="CustomShape 9"/>
-          <p:cNvSpPr/>
-          <p:nvPr/>
-        </p:nvSpPr>
-        <p:spPr>
-          <a:xfrm>
-            <a:off x="4590720" y="2522880"/>
-            <a:ext cx="619560" cy="638640"/>
-          </a:xfrm>
-          <a:prstGeom prst="rect">
-            <a:avLst/>
-          </a:prstGeom>
-          <a:noFill/>
-          <a:ln>
-            <a:noFill/>
-          </a:ln>
-        </p:spPr>
-        <p:txBody>
-          <a:bodyPr wrap="none" lIns="90000" rIns="90000" tIns="45000" bIns="45000"/>
+          <a:bodyPr wrap="none" lIns="90000" tIns="45000" rIns="90000" bIns="45000"/>
+          <a:lstStyle/>
           <a:p>
             <a:pPr>
               <a:lnSpc>
@@ -1829,7 +2744,7 @@
             <a:r>
               <a:rPr lang="en-US" sz="3600">
                 <a:solidFill>
-                  <a:srgbClr val="ff0000"/>
+                  <a:srgbClr val="FF0000"/>
                 </a:solidFill>
                 <a:latin typeface="Symbol"/>
               </a:rPr>
@@ -1838,7 +2753,7 @@
             <a:r>
               <a:rPr lang="en-US" sz="3600">
                 <a:solidFill>
-                  <a:srgbClr val="ff0000"/>
+                  <a:srgbClr val="FF0000"/>
                 </a:solidFill>
                 <a:latin typeface="Calibri"/>
               </a:rPr>
@@ -1856,7 +2771,7 @@
         </p:nvSpPr>
         <p:spPr>
           <a:xfrm>
-            <a:off x="1065960" y="9614880"/>
+            <a:off x="1065960" y="9704920"/>
             <a:ext cx="708120" cy="638640"/>
           </a:xfrm>
           <a:prstGeom prst="rect">
@@ -1868,7 +2783,8 @@
           </a:ln>
         </p:spPr>
         <p:txBody>
-          <a:bodyPr wrap="none" lIns="90000" rIns="90000" tIns="45000" bIns="45000"/>
+          <a:bodyPr wrap="none" lIns="90000" tIns="45000" rIns="90000" bIns="45000"/>
+          <a:lstStyle/>
           <a:p>
             <a:pPr>
               <a:lnSpc>
@@ -1878,7 +2794,7 @@
             <a:r>
               <a:rPr lang="en-US" sz="3600">
                 <a:solidFill>
-                  <a:srgbClr val="ff0000"/>
+                  <a:srgbClr val="FF0000"/>
                 </a:solidFill>
                 <a:latin typeface="Symbol"/>
               </a:rPr>
@@ -1896,18 +2812,18 @@
         </p:nvSpPr>
         <p:spPr>
           <a:xfrm>
-            <a:off x="558360" y="8064000"/>
+            <a:off x="522000" y="8142370"/>
             <a:ext cx="93240" cy="287280"/>
           </a:xfrm>
           <a:prstGeom prst="rect">
             <a:avLst/>
           </a:prstGeom>
           <a:solidFill>
-            <a:srgbClr val="ffffff"/>
+            <a:srgbClr val="FFFFFF"/>
           </a:solidFill>
           <a:ln w="25560">
             <a:solidFill>
-              <a:srgbClr val="ffffff"/>
+              <a:srgbClr val="FFFFFF"/>
             </a:solidFill>
             <a:round/>
           </a:ln>
@@ -1921,18 +2837,18 @@
         </p:nvSpPr>
         <p:spPr>
           <a:xfrm>
-            <a:off x="464400" y="9900000"/>
+            <a:off x="432000" y="9990040"/>
             <a:ext cx="93240" cy="287280"/>
           </a:xfrm>
           <a:prstGeom prst="rect">
             <a:avLst/>
           </a:prstGeom>
           <a:solidFill>
-            <a:srgbClr val="ffffff"/>
+            <a:srgbClr val="FFFFFF"/>
           </a:solidFill>
           <a:ln w="25560">
             <a:solidFill>
-              <a:srgbClr val="ffffff"/>
+              <a:srgbClr val="FFFFFF"/>
             </a:solidFill>
             <a:round/>
           </a:ln>
@@ -1953,11 +2869,11 @@
             <a:avLst/>
           </a:prstGeom>
           <a:solidFill>
-            <a:srgbClr val="ffffff"/>
+            <a:srgbClr val="FFFFFF"/>
           </a:solidFill>
           <a:ln w="25560">
             <a:solidFill>
-              <a:srgbClr val="ffffff"/>
+              <a:srgbClr val="FFFFFF"/>
             </a:solidFill>
             <a:round/>
           </a:ln>
@@ -1978,18 +2894,273 @@
             <a:avLst/>
           </a:prstGeom>
           <a:solidFill>
-            <a:srgbClr val="ffffff"/>
+            <a:srgbClr val="FFFFFF"/>
           </a:solidFill>
           <a:ln w="25560">
             <a:solidFill>
-              <a:srgbClr val="ffffff"/>
+              <a:srgbClr val="FFFFFF"/>
             </a:solidFill>
             <a:round/>
           </a:ln>
         </p:spPr>
       </p:sp>
+      <p:sp>
+        <p:nvSpPr>
+          <p:cNvPr id="24" name="Ellipse 23"/>
+          <p:cNvSpPr/>
+          <p:nvPr/>
+        </p:nvSpPr>
+        <p:spPr>
+          <a:xfrm>
+            <a:off x="2849295" y="4780113"/>
+            <a:ext cx="576064" cy="864096"/>
+          </a:xfrm>
+          <a:prstGeom prst="ellipse">
+            <a:avLst/>
+          </a:prstGeom>
+          <a:noFill/>
+          <a:ln w="28575">
+            <a:solidFill>
+              <a:srgbClr val="FF0000"/>
+            </a:solidFill>
+          </a:ln>
+        </p:spPr>
+        <p:style>
+          <a:lnRef idx="2">
+            <a:schemeClr val="accent1">
+              <a:shade val="50000"/>
+            </a:schemeClr>
+          </a:lnRef>
+          <a:fillRef idx="1">
+            <a:schemeClr val="accent1"/>
+          </a:fillRef>
+          <a:effectRef idx="0">
+            <a:schemeClr val="accent1"/>
+          </a:effectRef>
+          <a:fontRef idx="minor">
+            <a:schemeClr val="lt1"/>
+          </a:fontRef>
+        </p:style>
+        <p:txBody>
+          <a:bodyPr rtlCol="0" anchor="ctr"/>
+          <a:lstStyle/>
+          <a:p>
+            <a:pPr algn="ctr"/>
+            <a:endParaRPr lang="fr-FR"/>
+          </a:p>
+        </p:txBody>
+      </p:sp>
+      <p:sp>
+        <p:nvSpPr>
+          <p:cNvPr id="25" name="ZoneTexte 24"/>
+          <p:cNvSpPr txBox="1"/>
+          <p:nvPr/>
+        </p:nvSpPr>
+        <p:spPr>
+          <a:xfrm>
+            <a:off x="3296035" y="5428185"/>
+            <a:ext cx="561372" cy="461665"/>
+          </a:xfrm>
+          <a:prstGeom prst="rect">
+            <a:avLst/>
+          </a:prstGeom>
+          <a:noFill/>
+        </p:spPr>
+        <p:txBody>
+          <a:bodyPr wrap="none" rtlCol="0">
+            <a:spAutoFit/>
+          </a:bodyPr>
+          <a:lstStyle/>
+          <a:p>
+            <a:r>
+              <a:rPr lang="fr-FR" sz="2400" dirty="0" smtClean="0">
+                <a:solidFill>
+                  <a:srgbClr val="FF0000"/>
+                </a:solidFill>
+              </a:rPr>
+              <a:t>(7)</a:t>
+            </a:r>
+            <a:endParaRPr lang="fr-FR" sz="2400" dirty="0">
+              <a:solidFill>
+                <a:srgbClr val="FF0000"/>
+              </a:solidFill>
+            </a:endParaRPr>
+          </a:p>
+        </p:txBody>
+      </p:sp>
+      <p:sp>
+        <p:nvSpPr>
+          <p:cNvPr id="26" name="Ellipse 25"/>
+          <p:cNvSpPr/>
+          <p:nvPr/>
+        </p:nvSpPr>
+        <p:spPr>
+          <a:xfrm>
+            <a:off x="1911442" y="6028420"/>
+            <a:ext cx="576064" cy="864096"/>
+          </a:xfrm>
+          <a:prstGeom prst="ellipse">
+            <a:avLst/>
+          </a:prstGeom>
+          <a:noFill/>
+          <a:ln w="28575">
+            <a:solidFill>
+              <a:srgbClr val="FF0000"/>
+            </a:solidFill>
+          </a:ln>
+        </p:spPr>
+        <p:style>
+          <a:lnRef idx="2">
+            <a:schemeClr val="accent1">
+              <a:shade val="50000"/>
+            </a:schemeClr>
+          </a:lnRef>
+          <a:fillRef idx="1">
+            <a:schemeClr val="accent1"/>
+          </a:fillRef>
+          <a:effectRef idx="0">
+            <a:schemeClr val="accent1"/>
+          </a:effectRef>
+          <a:fontRef idx="minor">
+            <a:schemeClr val="lt1"/>
+          </a:fontRef>
+        </p:style>
+        <p:txBody>
+          <a:bodyPr rtlCol="0" anchor="ctr"/>
+          <a:lstStyle/>
+          <a:p>
+            <a:pPr algn="ctr"/>
+            <a:endParaRPr lang="fr-FR"/>
+          </a:p>
+        </p:txBody>
+      </p:sp>
+      <p:sp>
+        <p:nvSpPr>
+          <p:cNvPr id="27" name="ZoneTexte 26"/>
+          <p:cNvSpPr txBox="1"/>
+          <p:nvPr/>
+        </p:nvSpPr>
+        <p:spPr>
+          <a:xfrm>
+            <a:off x="1580786" y="6676492"/>
+            <a:ext cx="561372" cy="461665"/>
+          </a:xfrm>
+          <a:prstGeom prst="rect">
+            <a:avLst/>
+          </a:prstGeom>
+          <a:noFill/>
+        </p:spPr>
+        <p:txBody>
+          <a:bodyPr wrap="none" rtlCol="0">
+            <a:spAutoFit/>
+          </a:bodyPr>
+          <a:lstStyle/>
+          <a:p>
+            <a:r>
+              <a:rPr lang="fr-FR" sz="2400" dirty="0" smtClean="0">
+                <a:solidFill>
+                  <a:srgbClr val="FF0000"/>
+                </a:solidFill>
+              </a:rPr>
+              <a:t>(8)</a:t>
+            </a:r>
+            <a:endParaRPr lang="fr-FR" sz="2400" dirty="0">
+              <a:solidFill>
+                <a:srgbClr val="FF0000"/>
+              </a:solidFill>
+            </a:endParaRPr>
+          </a:p>
+        </p:txBody>
+      </p:sp>
+      <p:sp>
+        <p:nvSpPr>
+          <p:cNvPr id="28" name="Ellipse 27"/>
+          <p:cNvSpPr/>
+          <p:nvPr/>
+        </p:nvSpPr>
+        <p:spPr>
+          <a:xfrm>
+            <a:off x="3222278" y="6084912"/>
+            <a:ext cx="576064" cy="864096"/>
+          </a:xfrm>
+          <a:prstGeom prst="ellipse">
+            <a:avLst/>
+          </a:prstGeom>
+          <a:noFill/>
+          <a:ln w="28575">
+            <a:solidFill>
+              <a:srgbClr val="FF0000"/>
+            </a:solidFill>
+          </a:ln>
+        </p:spPr>
+        <p:style>
+          <a:lnRef idx="2">
+            <a:schemeClr val="accent1">
+              <a:shade val="50000"/>
+            </a:schemeClr>
+          </a:lnRef>
+          <a:fillRef idx="1">
+            <a:schemeClr val="accent1"/>
+          </a:fillRef>
+          <a:effectRef idx="0">
+            <a:schemeClr val="accent1"/>
+          </a:effectRef>
+          <a:fontRef idx="minor">
+            <a:schemeClr val="lt1"/>
+          </a:fontRef>
+        </p:style>
+        <p:txBody>
+          <a:bodyPr rtlCol="0" anchor="ctr"/>
+          <a:lstStyle/>
+          <a:p>
+            <a:pPr algn="ctr"/>
+            <a:endParaRPr lang="fr-FR"/>
+          </a:p>
+        </p:txBody>
+      </p:sp>
+      <p:sp>
+        <p:nvSpPr>
+          <p:cNvPr id="29" name="ZoneTexte 28"/>
+          <p:cNvSpPr txBox="1"/>
+          <p:nvPr/>
+        </p:nvSpPr>
+        <p:spPr>
+          <a:xfrm>
+            <a:off x="3669018" y="6732984"/>
+            <a:ext cx="561372" cy="461665"/>
+          </a:xfrm>
+          <a:prstGeom prst="rect">
+            <a:avLst/>
+          </a:prstGeom>
+          <a:noFill/>
+        </p:spPr>
+        <p:txBody>
+          <a:bodyPr wrap="none" rtlCol="0">
+            <a:spAutoFit/>
+          </a:bodyPr>
+          <a:lstStyle/>
+          <a:p>
+            <a:r>
+              <a:rPr lang="fr-FR" sz="2400" dirty="0" smtClean="0">
+                <a:solidFill>
+                  <a:srgbClr val="FF0000"/>
+                </a:solidFill>
+              </a:rPr>
+              <a:t>(9)</a:t>
+            </a:r>
+            <a:endParaRPr lang="fr-FR" sz="2400" dirty="0">
+              <a:solidFill>
+                <a:srgbClr val="FF0000"/>
+              </a:solidFill>
+            </a:endParaRPr>
+          </a:p>
+        </p:txBody>
+      </p:sp>
     </p:spTree>
   </p:cSld>
+  <p:clrMapOvr>
+    <a:masterClrMapping/>
+  </p:clrMapOvr>
   <p:timing>
     <p:tnLst>
       <p:par>
@@ -1998,14 +3169,14 @@
             <p:seq>
               <p:cTn id="2" nodeType="mainSeq"/>
               <p:prevCondLst>
-                <p:cond delay="0" evt="onPrev">
+                <p:cond evt="onPrev" delay="0">
                   <p:tgtEl>
                     <p:sldTgt/>
                   </p:tgtEl>
                 </p:cond>
               </p:prevCondLst>
               <p:nextCondLst>
-                <p:cond delay="0" evt="onNext">
+                <p:cond evt="onNext" delay="0">
                   <p:tgtEl>
                     <p:sldTgt/>
                   </p:tgtEl>
@@ -2240,5 +3411,7 @@
       </a:bgFillStyleLst>
     </a:fmtScheme>
   </a:themeElements>
+  <a:objectDefaults/>
+  <a:extraClrSchemeLst/>
 </a:theme>
 </file>
--- a/04-CrMagOpt/Pictures/HighE.pptx
+++ b/04-CrMagOpt/Pictures/HighE.pptx
@@ -2978,7 +2978,7 @@
                   <a:srgbClr val="FF0000"/>
                 </a:solidFill>
               </a:rPr>
-              <a:t>(7)</a:t>
+              <a:t>(8)</a:t>
             </a:r>
             <a:endParaRPr lang="fr-FR" sz="2400" dirty="0">
               <a:solidFill>
@@ -3042,7 +3042,7 @@
         </p:nvSpPr>
         <p:spPr>
           <a:xfrm>
-            <a:off x="1580786" y="6676492"/>
+            <a:off x="1494086" y="6676492"/>
             <a:ext cx="561372" cy="461665"/>
           </a:xfrm>
           <a:prstGeom prst="rect">
@@ -3062,7 +3062,7 @@
                   <a:srgbClr val="FF0000"/>
                 </a:solidFill>
               </a:rPr>
-              <a:t>(8)</a:t>
+              <a:t>(9)</a:t>
             </a:r>
             <a:endParaRPr lang="fr-FR" sz="2400" dirty="0">
               <a:solidFill>
@@ -3127,7 +3127,7 @@
         <p:spPr>
           <a:xfrm>
             <a:off x="3669018" y="6732984"/>
-            <a:ext cx="561372" cy="461665"/>
+            <a:ext cx="732893" cy="461665"/>
           </a:xfrm>
           <a:prstGeom prst="rect">
             <a:avLst/>
@@ -3146,7 +3146,91 @@
                   <a:srgbClr val="FF0000"/>
                 </a:solidFill>
               </a:rPr>
-              <a:t>(9)</a:t>
+              <a:t>(10)</a:t>
+            </a:r>
+            <a:endParaRPr lang="fr-FR" sz="2400" dirty="0">
+              <a:solidFill>
+                <a:srgbClr val="FF0000"/>
+              </a:solidFill>
+            </a:endParaRPr>
+          </a:p>
+        </p:txBody>
+      </p:sp>
+      <p:sp>
+        <p:nvSpPr>
+          <p:cNvPr id="42" name="Ellipse 41"/>
+          <p:cNvSpPr/>
+          <p:nvPr/>
+        </p:nvSpPr>
+        <p:spPr>
+          <a:xfrm>
+            <a:off x="1680726" y="4831159"/>
+            <a:ext cx="576064" cy="864096"/>
+          </a:xfrm>
+          <a:prstGeom prst="ellipse">
+            <a:avLst/>
+          </a:prstGeom>
+          <a:noFill/>
+          <a:ln w="28575">
+            <a:solidFill>
+              <a:srgbClr val="FF0000"/>
+            </a:solidFill>
+          </a:ln>
+        </p:spPr>
+        <p:style>
+          <a:lnRef idx="2">
+            <a:schemeClr val="accent1">
+              <a:shade val="50000"/>
+            </a:schemeClr>
+          </a:lnRef>
+          <a:fillRef idx="1">
+            <a:schemeClr val="accent1"/>
+          </a:fillRef>
+          <a:effectRef idx="0">
+            <a:schemeClr val="accent1"/>
+          </a:effectRef>
+          <a:fontRef idx="minor">
+            <a:schemeClr val="lt1"/>
+          </a:fontRef>
+        </p:style>
+        <p:txBody>
+          <a:bodyPr rtlCol="0" anchor="ctr"/>
+          <a:lstStyle/>
+          <a:p>
+            <a:pPr algn="ctr"/>
+            <a:endParaRPr lang="fr-FR"/>
+          </a:p>
+        </p:txBody>
+      </p:sp>
+      <p:sp>
+        <p:nvSpPr>
+          <p:cNvPr id="45" name="ZoneTexte 44"/>
+          <p:cNvSpPr txBox="1"/>
+          <p:nvPr/>
+        </p:nvSpPr>
+        <p:spPr>
+          <a:xfrm>
+            <a:off x="1206054" y="5479231"/>
+            <a:ext cx="561372" cy="461665"/>
+          </a:xfrm>
+          <a:prstGeom prst="rect">
+            <a:avLst/>
+          </a:prstGeom>
+          <a:noFill/>
+        </p:spPr>
+        <p:txBody>
+          <a:bodyPr wrap="none" rtlCol="0">
+            <a:spAutoFit/>
+          </a:bodyPr>
+          <a:lstStyle/>
+          <a:p>
+            <a:r>
+              <a:rPr lang="fr-FR" sz="2400" dirty="0" smtClean="0">
+                <a:solidFill>
+                  <a:srgbClr val="FF0000"/>
+                </a:solidFill>
+              </a:rPr>
+              <a:t>(7)</a:t>
             </a:r>
             <a:endParaRPr lang="fr-FR" sz="2400" dirty="0">
               <a:solidFill>
